--- a/Apresentação/Apresentação_TG.pptx
+++ b/Apresentação/Apresentação_TG.pptx
@@ -4,6 +4,9 @@
   <p:sldMasterIdLst>
     <p:sldMasterId id="2147483648" r:id="rId1"/>
   </p:sldMasterIdLst>
+  <p:notesMasterIdLst>
+    <p:notesMasterId r:id="rId31"/>
+  </p:notesMasterIdLst>
   <p:sldIdLst>
     <p:sldId id="256" r:id="rId2"/>
     <p:sldId id="258" r:id="rId3"/>
@@ -14,25 +17,26 @@
     <p:sldId id="262" r:id="rId8"/>
     <p:sldId id="268" r:id="rId9"/>
     <p:sldId id="275" r:id="rId10"/>
-    <p:sldId id="263" r:id="rId11"/>
-    <p:sldId id="276" r:id="rId12"/>
-    <p:sldId id="264" r:id="rId13"/>
-    <p:sldId id="265" r:id="rId14"/>
-    <p:sldId id="269" r:id="rId15"/>
-    <p:sldId id="266" r:id="rId16"/>
-    <p:sldId id="281" r:id="rId17"/>
-    <p:sldId id="282" r:id="rId18"/>
-    <p:sldId id="283" r:id="rId19"/>
-    <p:sldId id="270" r:id="rId20"/>
-    <p:sldId id="271" r:id="rId21"/>
-    <p:sldId id="272" r:id="rId22"/>
-    <p:sldId id="273" r:id="rId23"/>
-    <p:sldId id="280" r:id="rId24"/>
-    <p:sldId id="279" r:id="rId25"/>
-    <p:sldId id="286" r:id="rId26"/>
-    <p:sldId id="284" r:id="rId27"/>
-    <p:sldId id="285" r:id="rId28"/>
-    <p:sldId id="267" r:id="rId29"/>
+    <p:sldId id="287" r:id="rId11"/>
+    <p:sldId id="263" r:id="rId12"/>
+    <p:sldId id="276" r:id="rId13"/>
+    <p:sldId id="264" r:id="rId14"/>
+    <p:sldId id="265" r:id="rId15"/>
+    <p:sldId id="269" r:id="rId16"/>
+    <p:sldId id="266" r:id="rId17"/>
+    <p:sldId id="281" r:id="rId18"/>
+    <p:sldId id="282" r:id="rId19"/>
+    <p:sldId id="283" r:id="rId20"/>
+    <p:sldId id="270" r:id="rId21"/>
+    <p:sldId id="271" r:id="rId22"/>
+    <p:sldId id="272" r:id="rId23"/>
+    <p:sldId id="273" r:id="rId24"/>
+    <p:sldId id="280" r:id="rId25"/>
+    <p:sldId id="279" r:id="rId26"/>
+    <p:sldId id="286" r:id="rId27"/>
+    <p:sldId id="284" r:id="rId28"/>
+    <p:sldId id="285" r:id="rId29"/>
+    <p:sldId id="267" r:id="rId30"/>
   </p:sldIdLst>
   <p:sldSz cx="12192000" cy="6858000"/>
   <p:notesSz cx="6858000" cy="9144000"/>
@@ -150,6 +154,493 @@
 </p:presentation>
 </file>
 
+<file path=ppt/notesMasters/notesMaster1.xml><?xml version="1.0" encoding="utf-8"?>
+<p:notesMaster xmlns:a="http://schemas.openxmlformats.org/drawingml/2006/main" xmlns:r="http://schemas.openxmlformats.org/officeDocument/2006/relationships" xmlns:p="http://schemas.openxmlformats.org/presentationml/2006/main">
+  <p:cSld>
+    <p:bg>
+      <p:bgRef idx="1001">
+        <a:schemeClr val="bg1"/>
+      </p:bgRef>
+    </p:bg>
+    <p:spTree>
+      <p:nvGrpSpPr>
+        <p:cNvPr id="1" name=""/>
+        <p:cNvGrpSpPr/>
+        <p:nvPr/>
+      </p:nvGrpSpPr>
+      <p:grpSpPr>
+        <a:xfrm>
+          <a:off x="0" y="0"/>
+          <a:ext cx="0" cy="0"/>
+          <a:chOff x="0" y="0"/>
+          <a:chExt cx="0" cy="0"/>
+        </a:xfrm>
+      </p:grpSpPr>
+      <p:sp>
+        <p:nvSpPr>
+          <p:cNvPr id="2" name="Header Placeholder 1"/>
+          <p:cNvSpPr>
+            <a:spLocks noGrp="1"/>
+          </p:cNvSpPr>
+          <p:nvPr>
+            <p:ph type="hdr" sz="quarter"/>
+          </p:nvPr>
+        </p:nvSpPr>
+        <p:spPr>
+          <a:xfrm>
+            <a:off x="0" y="0"/>
+            <a:ext cx="2971800" cy="458788"/>
+          </a:xfrm>
+          <a:prstGeom prst="rect">
+            <a:avLst/>
+          </a:prstGeom>
+        </p:spPr>
+        <p:txBody>
+          <a:bodyPr vert="horz" lIns="91440" tIns="45720" rIns="91440" bIns="45720" rtlCol="0"/>
+          <a:lstStyle>
+            <a:lvl1pPr algn="l">
+              <a:defRPr sz="1200"/>
+            </a:lvl1pPr>
+          </a:lstStyle>
+          <a:p>
+            <a:endParaRPr lang="pt-BR"/>
+          </a:p>
+        </p:txBody>
+      </p:sp>
+      <p:sp>
+        <p:nvSpPr>
+          <p:cNvPr id="3" name="Date Placeholder 2"/>
+          <p:cNvSpPr>
+            <a:spLocks noGrp="1"/>
+          </p:cNvSpPr>
+          <p:nvPr>
+            <p:ph type="dt" idx="1"/>
+          </p:nvPr>
+        </p:nvSpPr>
+        <p:spPr>
+          <a:xfrm>
+            <a:off x="3884613" y="0"/>
+            <a:ext cx="2971800" cy="458788"/>
+          </a:xfrm>
+          <a:prstGeom prst="rect">
+            <a:avLst/>
+          </a:prstGeom>
+        </p:spPr>
+        <p:txBody>
+          <a:bodyPr vert="horz" lIns="91440" tIns="45720" rIns="91440" bIns="45720" rtlCol="0"/>
+          <a:lstStyle>
+            <a:lvl1pPr algn="r">
+              <a:defRPr sz="1200"/>
+            </a:lvl1pPr>
+          </a:lstStyle>
+          <a:p>
+            <a:fld id="{CF4A2FFA-ACC2-4648-B6E0-562B133EF42F}" type="datetimeFigureOut">
+              <a:rPr lang="pt-BR" smtClean="0"/>
+              <a:t>22/10/2020</a:t>
+            </a:fld>
+            <a:endParaRPr lang="pt-BR"/>
+          </a:p>
+        </p:txBody>
+      </p:sp>
+      <p:sp>
+        <p:nvSpPr>
+          <p:cNvPr id="4" name="Slide Image Placeholder 3"/>
+          <p:cNvSpPr>
+            <a:spLocks noGrp="1" noRot="1" noChangeAspect="1"/>
+          </p:cNvSpPr>
+          <p:nvPr>
+            <p:ph type="sldImg" idx="2"/>
+          </p:nvPr>
+        </p:nvSpPr>
+        <p:spPr>
+          <a:xfrm>
+            <a:off x="685800" y="1143000"/>
+            <a:ext cx="5486400" cy="3086100"/>
+          </a:xfrm>
+          <a:prstGeom prst="rect">
+            <a:avLst/>
+          </a:prstGeom>
+          <a:noFill/>
+          <a:ln w="12700">
+            <a:solidFill>
+              <a:prstClr val="black"/>
+            </a:solidFill>
+          </a:ln>
+        </p:spPr>
+        <p:txBody>
+          <a:bodyPr vert="horz" lIns="91440" tIns="45720" rIns="91440" bIns="45720" rtlCol="0" anchor="ctr"/>
+          <a:lstStyle/>
+          <a:p>
+            <a:endParaRPr lang="pt-BR"/>
+          </a:p>
+        </p:txBody>
+      </p:sp>
+      <p:sp>
+        <p:nvSpPr>
+          <p:cNvPr id="5" name="Notes Placeholder 4"/>
+          <p:cNvSpPr>
+            <a:spLocks noGrp="1"/>
+          </p:cNvSpPr>
+          <p:nvPr>
+            <p:ph type="body" sz="quarter" idx="3"/>
+          </p:nvPr>
+        </p:nvSpPr>
+        <p:spPr>
+          <a:xfrm>
+            <a:off x="685800" y="4400550"/>
+            <a:ext cx="5486400" cy="3600450"/>
+          </a:xfrm>
+          <a:prstGeom prst="rect">
+            <a:avLst/>
+          </a:prstGeom>
+        </p:spPr>
+        <p:txBody>
+          <a:bodyPr vert="horz" lIns="91440" tIns="45720" rIns="91440" bIns="45720" rtlCol="0"/>
+          <a:lstStyle/>
+          <a:p>
+            <a:pPr lvl="0"/>
+            <a:r>
+              <a:rPr lang="en-US" smtClean="0"/>
+              <a:t>Edit Master text styles</a:t>
+            </a:r>
+          </a:p>
+          <a:p>
+            <a:pPr lvl="1"/>
+            <a:r>
+              <a:rPr lang="en-US" smtClean="0"/>
+              <a:t>Second level</a:t>
+            </a:r>
+          </a:p>
+          <a:p>
+            <a:pPr lvl="2"/>
+            <a:r>
+              <a:rPr lang="en-US" smtClean="0"/>
+              <a:t>Third level</a:t>
+            </a:r>
+          </a:p>
+          <a:p>
+            <a:pPr lvl="3"/>
+            <a:r>
+              <a:rPr lang="en-US" smtClean="0"/>
+              <a:t>Fourth level</a:t>
+            </a:r>
+          </a:p>
+          <a:p>
+            <a:pPr lvl="4"/>
+            <a:r>
+              <a:rPr lang="en-US" smtClean="0"/>
+              <a:t>Fifth level</a:t>
+            </a:r>
+            <a:endParaRPr lang="pt-BR"/>
+          </a:p>
+        </p:txBody>
+      </p:sp>
+      <p:sp>
+        <p:nvSpPr>
+          <p:cNvPr id="6" name="Footer Placeholder 5"/>
+          <p:cNvSpPr>
+            <a:spLocks noGrp="1"/>
+          </p:cNvSpPr>
+          <p:nvPr>
+            <p:ph type="ftr" sz="quarter" idx="4"/>
+          </p:nvPr>
+        </p:nvSpPr>
+        <p:spPr>
+          <a:xfrm>
+            <a:off x="0" y="8685213"/>
+            <a:ext cx="2971800" cy="458787"/>
+          </a:xfrm>
+          <a:prstGeom prst="rect">
+            <a:avLst/>
+          </a:prstGeom>
+        </p:spPr>
+        <p:txBody>
+          <a:bodyPr vert="horz" lIns="91440" tIns="45720" rIns="91440" bIns="45720" rtlCol="0" anchor="b"/>
+          <a:lstStyle>
+            <a:lvl1pPr algn="l">
+              <a:defRPr sz="1200"/>
+            </a:lvl1pPr>
+          </a:lstStyle>
+          <a:p>
+            <a:endParaRPr lang="pt-BR"/>
+          </a:p>
+        </p:txBody>
+      </p:sp>
+      <p:sp>
+        <p:nvSpPr>
+          <p:cNvPr id="7" name="Slide Number Placeholder 6"/>
+          <p:cNvSpPr>
+            <a:spLocks noGrp="1"/>
+          </p:cNvSpPr>
+          <p:nvPr>
+            <p:ph type="sldNum" sz="quarter" idx="5"/>
+          </p:nvPr>
+        </p:nvSpPr>
+        <p:spPr>
+          <a:xfrm>
+            <a:off x="3884613" y="8685213"/>
+            <a:ext cx="2971800" cy="458787"/>
+          </a:xfrm>
+          <a:prstGeom prst="rect">
+            <a:avLst/>
+          </a:prstGeom>
+        </p:spPr>
+        <p:txBody>
+          <a:bodyPr vert="horz" lIns="91440" tIns="45720" rIns="91440" bIns="45720" rtlCol="0" anchor="b"/>
+          <a:lstStyle>
+            <a:lvl1pPr algn="r">
+              <a:defRPr sz="1200"/>
+            </a:lvl1pPr>
+          </a:lstStyle>
+          <a:p>
+            <a:fld id="{8E8EDB91-DF02-4E82-B269-99750289FC48}" type="slidenum">
+              <a:rPr lang="pt-BR" smtClean="0"/>
+              <a:t>‹#›</a:t>
+            </a:fld>
+            <a:endParaRPr lang="pt-BR"/>
+          </a:p>
+        </p:txBody>
+      </p:sp>
+    </p:spTree>
+    <p:extLst>
+      <p:ext uri="{BB962C8B-B14F-4D97-AF65-F5344CB8AC3E}">
+        <p14:creationId xmlns:p14="http://schemas.microsoft.com/office/powerpoint/2010/main" val="3842061655"/>
+      </p:ext>
+    </p:extLst>
+  </p:cSld>
+  <p:clrMap bg1="lt1" tx1="dk1" bg2="lt2" tx2="dk2" accent1="accent1" accent2="accent2" accent3="accent3" accent4="accent4" accent5="accent5" accent6="accent6" hlink="hlink" folHlink="folHlink"/>
+  <p:notesStyle>
+    <a:lvl1pPr marL="0" algn="l" defTabSz="914400" rtl="0" eaLnBrk="1" latinLnBrk="0" hangingPunct="1">
+      <a:defRPr sz="1200" kern="1200">
+        <a:solidFill>
+          <a:schemeClr val="tx1"/>
+        </a:solidFill>
+        <a:latin typeface="+mn-lt"/>
+        <a:ea typeface="+mn-ea"/>
+        <a:cs typeface="+mn-cs"/>
+      </a:defRPr>
+    </a:lvl1pPr>
+    <a:lvl2pPr marL="457200" algn="l" defTabSz="914400" rtl="0" eaLnBrk="1" latinLnBrk="0" hangingPunct="1">
+      <a:defRPr sz="1200" kern="1200">
+        <a:solidFill>
+          <a:schemeClr val="tx1"/>
+        </a:solidFill>
+        <a:latin typeface="+mn-lt"/>
+        <a:ea typeface="+mn-ea"/>
+        <a:cs typeface="+mn-cs"/>
+      </a:defRPr>
+    </a:lvl2pPr>
+    <a:lvl3pPr marL="914400" algn="l" defTabSz="914400" rtl="0" eaLnBrk="1" latinLnBrk="0" hangingPunct="1">
+      <a:defRPr sz="1200" kern="1200">
+        <a:solidFill>
+          <a:schemeClr val="tx1"/>
+        </a:solidFill>
+        <a:latin typeface="+mn-lt"/>
+        <a:ea typeface="+mn-ea"/>
+        <a:cs typeface="+mn-cs"/>
+      </a:defRPr>
+    </a:lvl3pPr>
+    <a:lvl4pPr marL="1371600" algn="l" defTabSz="914400" rtl="0" eaLnBrk="1" latinLnBrk="0" hangingPunct="1">
+      <a:defRPr sz="1200" kern="1200">
+        <a:solidFill>
+          <a:schemeClr val="tx1"/>
+        </a:solidFill>
+        <a:latin typeface="+mn-lt"/>
+        <a:ea typeface="+mn-ea"/>
+        <a:cs typeface="+mn-cs"/>
+      </a:defRPr>
+    </a:lvl4pPr>
+    <a:lvl5pPr marL="1828800" algn="l" defTabSz="914400" rtl="0" eaLnBrk="1" latinLnBrk="0" hangingPunct="1">
+      <a:defRPr sz="1200" kern="1200">
+        <a:solidFill>
+          <a:schemeClr val="tx1"/>
+        </a:solidFill>
+        <a:latin typeface="+mn-lt"/>
+        <a:ea typeface="+mn-ea"/>
+        <a:cs typeface="+mn-cs"/>
+      </a:defRPr>
+    </a:lvl5pPr>
+    <a:lvl6pPr marL="2286000" algn="l" defTabSz="914400" rtl="0" eaLnBrk="1" latinLnBrk="0" hangingPunct="1">
+      <a:defRPr sz="1200" kern="1200">
+        <a:solidFill>
+          <a:schemeClr val="tx1"/>
+        </a:solidFill>
+        <a:latin typeface="+mn-lt"/>
+        <a:ea typeface="+mn-ea"/>
+        <a:cs typeface="+mn-cs"/>
+      </a:defRPr>
+    </a:lvl6pPr>
+    <a:lvl7pPr marL="2743200" algn="l" defTabSz="914400" rtl="0" eaLnBrk="1" latinLnBrk="0" hangingPunct="1">
+      <a:defRPr sz="1200" kern="1200">
+        <a:solidFill>
+          <a:schemeClr val="tx1"/>
+        </a:solidFill>
+        <a:latin typeface="+mn-lt"/>
+        <a:ea typeface="+mn-ea"/>
+        <a:cs typeface="+mn-cs"/>
+      </a:defRPr>
+    </a:lvl7pPr>
+    <a:lvl8pPr marL="3200400" algn="l" defTabSz="914400" rtl="0" eaLnBrk="1" latinLnBrk="0" hangingPunct="1">
+      <a:defRPr sz="1200" kern="1200">
+        <a:solidFill>
+          <a:schemeClr val="tx1"/>
+        </a:solidFill>
+        <a:latin typeface="+mn-lt"/>
+        <a:ea typeface="+mn-ea"/>
+        <a:cs typeface="+mn-cs"/>
+      </a:defRPr>
+    </a:lvl8pPr>
+    <a:lvl9pPr marL="3657600" algn="l" defTabSz="914400" rtl="0" eaLnBrk="1" latinLnBrk="0" hangingPunct="1">
+      <a:defRPr sz="1200" kern="1200">
+        <a:solidFill>
+          <a:schemeClr val="tx1"/>
+        </a:solidFill>
+        <a:latin typeface="+mn-lt"/>
+        <a:ea typeface="+mn-ea"/>
+        <a:cs typeface="+mn-cs"/>
+      </a:defRPr>
+    </a:lvl9pPr>
+  </p:notesStyle>
+</p:notesMaster>
+</file>
+
+<file path=ppt/notesSlides/notesSlide1.xml><?xml version="1.0" encoding="utf-8"?>
+<p:notes xmlns:a="http://schemas.openxmlformats.org/drawingml/2006/main" xmlns:r="http://schemas.openxmlformats.org/officeDocument/2006/relationships" xmlns:p="http://schemas.openxmlformats.org/presentationml/2006/main">
+  <p:cSld>
+    <p:spTree>
+      <p:nvGrpSpPr>
+        <p:cNvPr id="1" name=""/>
+        <p:cNvGrpSpPr/>
+        <p:nvPr/>
+      </p:nvGrpSpPr>
+      <p:grpSpPr>
+        <a:xfrm>
+          <a:off x="0" y="0"/>
+          <a:ext cx="0" cy="0"/>
+          <a:chOff x="0" y="0"/>
+          <a:chExt cx="0" cy="0"/>
+        </a:xfrm>
+      </p:grpSpPr>
+      <p:sp>
+        <p:nvSpPr>
+          <p:cNvPr id="2" name="Slide Image Placeholder 1"/>
+          <p:cNvSpPr>
+            <a:spLocks noGrp="1" noRot="1" noChangeAspect="1"/>
+          </p:cNvSpPr>
+          <p:nvPr>
+            <p:ph type="sldImg"/>
+          </p:nvPr>
+        </p:nvSpPr>
+        <p:spPr/>
+      </p:sp>
+      <p:sp>
+        <p:nvSpPr>
+          <p:cNvPr id="3" name="Notes Placeholder 2"/>
+          <p:cNvSpPr>
+            <a:spLocks noGrp="1"/>
+          </p:cNvSpPr>
+          <p:nvPr>
+            <p:ph type="body" idx="1"/>
+          </p:nvPr>
+        </p:nvSpPr>
+        <p:spPr/>
+        <p:txBody>
+          <a:bodyPr/>
+          <a:lstStyle/>
+          <a:p>
+            <a:r>
+              <a:rPr lang="pt-BR" dirty="0" smtClean="0"/>
+              <a:t>Os algoritmos foram: SVR, </a:t>
+            </a:r>
+            <a:r>
+              <a:rPr lang="pt-BR" dirty="0" err="1" smtClean="0"/>
+              <a:t>kNN</a:t>
+            </a:r>
+            <a:r>
+              <a:rPr lang="pt-BR" dirty="0" smtClean="0"/>
+              <a:t> ponderado e não-ponderado, abordagem Bayesiana e </a:t>
+            </a:r>
+            <a:r>
+              <a:rPr lang="pt-BR" dirty="0" err="1" smtClean="0"/>
+              <a:t>perceptron</a:t>
+            </a:r>
+            <a:r>
+              <a:rPr lang="pt-BR" dirty="0" smtClean="0"/>
+              <a:t> </a:t>
+            </a:r>
+            <a:r>
+              <a:rPr lang="pt-BR" dirty="0" err="1" smtClean="0"/>
+              <a:t>multi-camadas</a:t>
+            </a:r>
+            <a:r>
+              <a:rPr lang="pt-BR" dirty="0" smtClean="0"/>
+              <a:t>. Os melhores resultados foram obtidos com o SVR. </a:t>
+            </a:r>
+          </a:p>
+          <a:p>
+            <a:endParaRPr lang="pt-BR" dirty="0" smtClean="0"/>
+          </a:p>
+          <a:p>
+            <a:r>
+              <a:rPr lang="pt-BR" dirty="0" smtClean="0"/>
+              <a:t>Uso de teste manuais e Grid Search para ajuste</a:t>
+            </a:r>
+            <a:r>
+              <a:rPr lang="pt-BR" baseline="0" dirty="0" smtClean="0"/>
+              <a:t> dos </a:t>
+            </a:r>
+            <a:r>
+              <a:rPr lang="pt-BR" baseline="0" dirty="0" err="1" smtClean="0"/>
+              <a:t>paramentros</a:t>
+            </a:r>
+            <a:r>
+              <a:rPr lang="pt-BR" baseline="0" dirty="0" smtClean="0"/>
+              <a:t> dos algoritmos de machine </a:t>
+            </a:r>
+            <a:r>
+              <a:rPr lang="pt-BR" baseline="0" dirty="0" err="1" smtClean="0"/>
+              <a:t>learning</a:t>
+            </a:r>
+            <a:endParaRPr lang="pt-BR" dirty="0"/>
+          </a:p>
+        </p:txBody>
+      </p:sp>
+      <p:sp>
+        <p:nvSpPr>
+          <p:cNvPr id="4" name="Slide Number Placeholder 3"/>
+          <p:cNvSpPr>
+            <a:spLocks noGrp="1"/>
+          </p:cNvSpPr>
+          <p:nvPr>
+            <p:ph type="sldNum" sz="quarter" idx="10"/>
+          </p:nvPr>
+        </p:nvSpPr>
+        <p:spPr/>
+        <p:txBody>
+          <a:bodyPr/>
+          <a:lstStyle/>
+          <a:p>
+            <a:fld id="{8E8EDB91-DF02-4E82-B269-99750289FC48}" type="slidenum">
+              <a:rPr lang="pt-BR" smtClean="0"/>
+              <a:t>12</a:t>
+            </a:fld>
+            <a:endParaRPr lang="pt-BR"/>
+          </a:p>
+        </p:txBody>
+      </p:sp>
+    </p:spTree>
+    <p:extLst>
+      <p:ext uri="{BB962C8B-B14F-4D97-AF65-F5344CB8AC3E}">
+        <p14:creationId xmlns:p14="http://schemas.microsoft.com/office/powerpoint/2010/main" val="2196595680"/>
+      </p:ext>
+    </p:extLst>
+  </p:cSld>
+  <p:clrMapOvr>
+    <a:masterClrMapping/>
+  </p:clrMapOvr>
+</p:notes>
+</file>
+
 <file path=ppt/slideLayouts/slideLayout1.xml><?xml version="1.0" encoding="utf-8"?>
 <p:sldLayout xmlns:a="http://schemas.openxmlformats.org/drawingml/2006/main" xmlns:r="http://schemas.openxmlformats.org/officeDocument/2006/relationships" xmlns:p="http://schemas.openxmlformats.org/presentationml/2006/main" type="title" preserve="1">
   <p:cSld name="Title Slide">
@@ -281,7 +772,7 @@
           <a:p>
             <a:fld id="{6E29202C-A5B6-4562-B338-5BE8F533F3AC}" type="datetimeFigureOut">
               <a:rPr lang="pt-BR" smtClean="0"/>
-              <a:t>20/10/2020</a:t>
+              <a:t>22/10/2020</a:t>
             </a:fld>
             <a:endParaRPr lang="pt-BR"/>
           </a:p>
@@ -451,7 +942,7 @@
           <a:p>
             <a:fld id="{6E29202C-A5B6-4562-B338-5BE8F533F3AC}" type="datetimeFigureOut">
               <a:rPr lang="pt-BR" smtClean="0"/>
-              <a:t>20/10/2020</a:t>
+              <a:t>22/10/2020</a:t>
             </a:fld>
             <a:endParaRPr lang="pt-BR"/>
           </a:p>
@@ -631,7 +1122,7 @@
           <a:p>
             <a:fld id="{6E29202C-A5B6-4562-B338-5BE8F533F3AC}" type="datetimeFigureOut">
               <a:rPr lang="pt-BR" smtClean="0"/>
-              <a:t>20/10/2020</a:t>
+              <a:t>22/10/2020</a:t>
             </a:fld>
             <a:endParaRPr lang="pt-BR"/>
           </a:p>
@@ -801,7 +1292,7 @@
           <a:p>
             <a:fld id="{6E29202C-A5B6-4562-B338-5BE8F533F3AC}" type="datetimeFigureOut">
               <a:rPr lang="pt-BR" smtClean="0"/>
-              <a:t>20/10/2020</a:t>
+              <a:t>22/10/2020</a:t>
             </a:fld>
             <a:endParaRPr lang="pt-BR"/>
           </a:p>
@@ -1047,7 +1538,7 @@
           <a:p>
             <a:fld id="{6E29202C-A5B6-4562-B338-5BE8F533F3AC}" type="datetimeFigureOut">
               <a:rPr lang="pt-BR" smtClean="0"/>
-              <a:t>20/10/2020</a:t>
+              <a:t>22/10/2020</a:t>
             </a:fld>
             <a:endParaRPr lang="pt-BR"/>
           </a:p>
@@ -1279,7 +1770,7 @@
           <a:p>
             <a:fld id="{6E29202C-A5B6-4562-B338-5BE8F533F3AC}" type="datetimeFigureOut">
               <a:rPr lang="pt-BR" smtClean="0"/>
-              <a:t>20/10/2020</a:t>
+              <a:t>22/10/2020</a:t>
             </a:fld>
             <a:endParaRPr lang="pt-BR"/>
           </a:p>
@@ -1646,7 +2137,7 @@
           <a:p>
             <a:fld id="{6E29202C-A5B6-4562-B338-5BE8F533F3AC}" type="datetimeFigureOut">
               <a:rPr lang="pt-BR" smtClean="0"/>
-              <a:t>20/10/2020</a:t>
+              <a:t>22/10/2020</a:t>
             </a:fld>
             <a:endParaRPr lang="pt-BR"/>
           </a:p>
@@ -1764,7 +2255,7 @@
           <a:p>
             <a:fld id="{6E29202C-A5B6-4562-B338-5BE8F533F3AC}" type="datetimeFigureOut">
               <a:rPr lang="pt-BR" smtClean="0"/>
-              <a:t>20/10/2020</a:t>
+              <a:t>22/10/2020</a:t>
             </a:fld>
             <a:endParaRPr lang="pt-BR"/>
           </a:p>
@@ -1859,7 +2350,7 @@
           <a:p>
             <a:fld id="{6E29202C-A5B6-4562-B338-5BE8F533F3AC}" type="datetimeFigureOut">
               <a:rPr lang="pt-BR" smtClean="0"/>
-              <a:t>20/10/2020</a:t>
+              <a:t>22/10/2020</a:t>
             </a:fld>
             <a:endParaRPr lang="pt-BR"/>
           </a:p>
@@ -2136,7 +2627,7 @@
           <a:p>
             <a:fld id="{6E29202C-A5B6-4562-B338-5BE8F533F3AC}" type="datetimeFigureOut">
               <a:rPr lang="pt-BR" smtClean="0"/>
-              <a:t>20/10/2020</a:t>
+              <a:t>22/10/2020</a:t>
             </a:fld>
             <a:endParaRPr lang="pt-BR"/>
           </a:p>
@@ -2389,7 +2880,7 @@
           <a:p>
             <a:fld id="{6E29202C-A5B6-4562-B338-5BE8F533F3AC}" type="datetimeFigureOut">
               <a:rPr lang="pt-BR" smtClean="0"/>
-              <a:t>20/10/2020</a:t>
+              <a:t>22/10/2020</a:t>
             </a:fld>
             <a:endParaRPr lang="pt-BR"/>
           </a:p>
@@ -2602,7 +3093,7 @@
           <a:p>
             <a:fld id="{6E29202C-A5B6-4562-B338-5BE8F533F3AC}" type="datetimeFigureOut">
               <a:rPr lang="pt-BR" smtClean="0"/>
-              <a:t>20/10/2020</a:t>
+              <a:t>22/10/2020</a:t>
             </a:fld>
             <a:endParaRPr lang="pt-BR"/>
           </a:p>
@@ -3430,7 +3921,7 @@
       </p:sp>
       <p:sp>
         <p:nvSpPr>
-          <p:cNvPr id="5" name="Title 4"/>
+          <p:cNvPr id="7" name="Title 6"/>
           <p:cNvSpPr>
             <a:spLocks noGrp="1"/>
           </p:cNvSpPr>
@@ -3438,13 +3929,18 @@
             <p:ph type="title"/>
           </p:nvPr>
         </p:nvSpPr>
-        <p:spPr/>
+        <p:spPr>
+          <a:xfrm>
+            <a:off x="1791854" y="138836"/>
+            <a:ext cx="9561945" cy="983528"/>
+          </a:xfrm>
+        </p:spPr>
         <p:txBody>
           <a:bodyPr/>
           <a:lstStyle/>
           <a:p>
             <a:r>
-              <a:rPr lang="pt-BR" b="1" dirty="0" smtClean="0">
+              <a:rPr lang="pt-BR" b="1" dirty="0" err="1" smtClean="0">
                 <a:solidFill>
                   <a:srgbClr val="FF182C"/>
                 </a:solidFill>
@@ -3452,7 +3948,18 @@
                 <a:ea typeface="Noto Sans" panose="020B0502040504020204" pitchFamily="34"/>
                 <a:cs typeface="Noto Sans" panose="020B0502040504020204" pitchFamily="34"/>
               </a:rPr>
-              <a:t>Trabalho Relacionados</a:t>
+              <a:t>LightGB</a:t>
+            </a:r>
+            <a:r>
+              <a:rPr lang="pt-BR" b="1" dirty="0" err="1">
+                <a:solidFill>
+                  <a:srgbClr val="FF182C"/>
+                </a:solidFill>
+                <a:latin typeface="Noto Sans" panose="020B0502040504020204" pitchFamily="34"/>
+                <a:ea typeface="Noto Sans" panose="020B0502040504020204" pitchFamily="34"/>
+                <a:cs typeface="Noto Sans" panose="020B0502040504020204" pitchFamily="34"/>
+              </a:rPr>
+              <a:t>M</a:t>
             </a:r>
             <a:endParaRPr lang="pt-BR" b="1" dirty="0">
               <a:solidFill>
@@ -3467,26 +3974,34 @@
       </p:sp>
       <p:sp>
         <p:nvSpPr>
-          <p:cNvPr id="6" name="Text Placeholder 5"/>
+          <p:cNvPr id="2" name="Content Placeholder 1"/>
           <p:cNvSpPr>
             <a:spLocks noGrp="1"/>
           </p:cNvSpPr>
           <p:nvPr>
-            <p:ph type="body" idx="1"/>
+            <p:ph sz="half" idx="1"/>
           </p:nvPr>
         </p:nvSpPr>
-        <p:spPr/>
+        <p:spPr>
+          <a:xfrm>
+            <a:off x="838199" y="1825625"/>
+            <a:ext cx="10882745" cy="4351338"/>
+          </a:xfrm>
+        </p:spPr>
         <p:txBody>
           <a:bodyPr/>
           <a:lstStyle/>
           <a:p>
-            <a:endParaRPr lang="pt-BR" dirty="0"/>
+            <a:pPr marL="0" indent="0">
+              <a:buNone/>
+            </a:pPr>
+            <a:endParaRPr lang="pt-BR" dirty="0" smtClean="0"/>
           </a:p>
         </p:txBody>
       </p:sp>
       <p:grpSp>
         <p:nvGrpSpPr>
-          <p:cNvPr id="7" name="Group 6"/>
+          <p:cNvPr id="10" name="Group 9"/>
           <p:cNvGrpSpPr/>
           <p:nvPr/>
         </p:nvGrpSpPr>
@@ -3500,7 +4015,7 @@
         </p:grpSpPr>
         <p:pic>
           <p:nvPicPr>
-            <p:cNvPr id="10" name="Picture 9"/>
+            <p:cNvPr id="11" name="Picture 10"/>
             <p:cNvPicPr>
               <a:picLocks noChangeAspect="1"/>
             </p:cNvPicPr>
@@ -3530,7 +4045,7 @@
         </p:pic>
         <p:pic>
           <p:nvPicPr>
-            <p:cNvPr id="11" name="Picture 10"/>
+            <p:cNvPr id="12" name="Picture 11"/>
             <p:cNvPicPr>
               <a:picLocks noChangeAspect="1"/>
             </p:cNvPicPr>
@@ -3562,7 +4077,7 @@
     </p:spTree>
     <p:extLst>
       <p:ext uri="{BB962C8B-B14F-4D97-AF65-F5344CB8AC3E}">
-        <p14:creationId xmlns:p14="http://schemas.microsoft.com/office/powerpoint/2010/main" val="1954251699"/>
+        <p14:creationId xmlns:p14="http://schemas.microsoft.com/office/powerpoint/2010/main" val="1846505851"/>
       </p:ext>
     </p:extLst>
   </p:cSld>
@@ -3705,365 +4220,6 @@
       </p:sp>
       <p:sp>
         <p:nvSpPr>
-          <p:cNvPr id="7" name="Title 6"/>
-          <p:cNvSpPr>
-            <a:spLocks noGrp="1"/>
-          </p:cNvSpPr>
-          <p:nvPr>
-            <p:ph type="title"/>
-          </p:nvPr>
-        </p:nvSpPr>
-        <p:spPr>
-          <a:xfrm>
-            <a:off x="1791854" y="138836"/>
-            <a:ext cx="9561945" cy="983528"/>
-          </a:xfrm>
-        </p:spPr>
-        <p:txBody>
-          <a:bodyPr/>
-          <a:lstStyle/>
-          <a:p>
-            <a:r>
-              <a:rPr lang="pt-BR" b="1" dirty="0" smtClean="0">
-                <a:solidFill>
-                  <a:srgbClr val="FF182C"/>
-                </a:solidFill>
-                <a:latin typeface="Noto Sans" panose="020B0502040504020204" pitchFamily="34"/>
-                <a:ea typeface="Noto Sans" panose="020B0502040504020204" pitchFamily="34"/>
-                <a:cs typeface="Noto Sans" panose="020B0502040504020204" pitchFamily="34"/>
-              </a:rPr>
-              <a:t>Trabalhos Relacionados</a:t>
-            </a:r>
-            <a:endParaRPr lang="pt-BR" b="1" dirty="0">
-              <a:solidFill>
-                <a:srgbClr val="FF182C"/>
-              </a:solidFill>
-              <a:latin typeface="Noto Sans" panose="020B0502040504020204" pitchFamily="34"/>
-              <a:ea typeface="Noto Sans" panose="020B0502040504020204" pitchFamily="34"/>
-              <a:cs typeface="Noto Sans" panose="020B0502040504020204" pitchFamily="34"/>
-            </a:endParaRPr>
-          </a:p>
-        </p:txBody>
-      </p:sp>
-      <p:sp>
-        <p:nvSpPr>
-          <p:cNvPr id="2" name="Content Placeholder 1"/>
-          <p:cNvSpPr>
-            <a:spLocks noGrp="1"/>
-          </p:cNvSpPr>
-          <p:nvPr>
-            <p:ph sz="half" idx="1"/>
-          </p:nvPr>
-        </p:nvSpPr>
-        <p:spPr>
-          <a:xfrm>
-            <a:off x="838199" y="1825625"/>
-            <a:ext cx="10882745" cy="4351338"/>
-          </a:xfrm>
-        </p:spPr>
-        <p:txBody>
-          <a:bodyPr/>
-          <a:lstStyle/>
-          <a:p>
-            <a:r>
-              <a:rPr lang="pt-BR" dirty="0" smtClean="0"/>
-              <a:t>Fingerprint de sinal de RF</a:t>
-            </a:r>
-          </a:p>
-          <a:p>
-            <a:pPr lvl="1">
-              <a:buFont typeface="Wingdings" panose="05000000000000000000" pitchFamily="2" charset="2"/>
-              <a:buChar char="Ø"/>
-            </a:pPr>
-            <a:r>
-              <a:rPr lang="pt-BR" dirty="0"/>
-              <a:t> </a:t>
-            </a:r>
-            <a:r>
-              <a:rPr lang="pt-BR" dirty="0" smtClean="0"/>
-              <a:t>RSSI</a:t>
-            </a:r>
-          </a:p>
-          <a:p>
-            <a:pPr lvl="1">
-              <a:buFont typeface="Wingdings" panose="05000000000000000000" pitchFamily="2" charset="2"/>
-              <a:buChar char="Ø"/>
-            </a:pPr>
-            <a:r>
-              <a:rPr lang="pt-BR" dirty="0" smtClean="0"/>
-              <a:t>PDs</a:t>
-            </a:r>
-          </a:p>
-          <a:p>
-            <a:pPr lvl="1">
-              <a:buFont typeface="Wingdings" panose="05000000000000000000" pitchFamily="2" charset="2"/>
-              <a:buChar char="Ø"/>
-            </a:pPr>
-            <a:r>
-              <a:rPr lang="pt-BR" dirty="0" smtClean="0"/>
-              <a:t>Coordenada Geográfica (Latitude e Longitude)</a:t>
-            </a:r>
-          </a:p>
-          <a:p>
-            <a:pPr>
-              <a:buFont typeface="Wingdings" panose="05000000000000000000" pitchFamily="2" charset="2"/>
-              <a:buChar char="Ø"/>
-            </a:pPr>
-            <a:endParaRPr lang="pt-BR" dirty="0" smtClean="0"/>
-          </a:p>
-          <a:p>
-            <a:r>
-              <a:rPr lang="pt-BR" dirty="0" smtClean="0"/>
-              <a:t>CDB</a:t>
-            </a:r>
-          </a:p>
-          <a:p>
-            <a:pPr lvl="1">
-              <a:buFont typeface="Wingdings" panose="05000000000000000000" pitchFamily="2" charset="2"/>
-              <a:buChar char="Ø"/>
-            </a:pPr>
-            <a:r>
-              <a:rPr lang="pt-BR" dirty="0" smtClean="0"/>
-              <a:t>Mapa de Rádio (grid)</a:t>
-            </a:r>
-          </a:p>
-          <a:p>
-            <a:pPr lvl="1">
-              <a:buFont typeface="Wingdings" panose="05000000000000000000" pitchFamily="2" charset="2"/>
-              <a:buChar char="Ø"/>
-            </a:pPr>
-            <a:r>
-              <a:rPr lang="pt-BR" dirty="0" smtClean="0"/>
-              <a:t>Fingerprints referência</a:t>
-            </a:r>
-            <a:endParaRPr lang="pt-BR" dirty="0"/>
-          </a:p>
-          <a:p>
-            <a:endParaRPr lang="pt-BR" dirty="0" smtClean="0"/>
-          </a:p>
-        </p:txBody>
-      </p:sp>
-      <p:grpSp>
-        <p:nvGrpSpPr>
-          <p:cNvPr id="10" name="Group 9"/>
-          <p:cNvGrpSpPr/>
-          <p:nvPr/>
-        </p:nvGrpSpPr>
-        <p:grpSpPr>
-          <a:xfrm>
-            <a:off x="304800" y="6013799"/>
-            <a:ext cx="2710543" cy="576000"/>
-            <a:chOff x="304800" y="6013799"/>
-            <a:chExt cx="2710543" cy="580164"/>
-          </a:xfrm>
-        </p:grpSpPr>
-        <p:pic>
-          <p:nvPicPr>
-            <p:cNvPr id="11" name="Picture 10"/>
-            <p:cNvPicPr>
-              <a:picLocks noChangeAspect="1"/>
-            </p:cNvPicPr>
-            <p:nvPr/>
-          </p:nvPicPr>
-          <p:blipFill>
-            <a:blip r:embed="rId3">
-              <a:extLst>
-                <a:ext uri="{28A0092B-C50C-407E-A947-70E740481C1C}">
-                  <a14:useLocalDpi xmlns:a14="http://schemas.microsoft.com/office/drawing/2010/main" val="0"/>
-                </a:ext>
-              </a:extLst>
-            </a:blip>
-            <a:stretch>
-              <a:fillRect/>
-            </a:stretch>
-          </p:blipFill>
-          <p:spPr>
-            <a:xfrm>
-              <a:off x="304800" y="6017963"/>
-              <a:ext cx="1396364" cy="576000"/>
-            </a:xfrm>
-            <a:prstGeom prst="rect">
-              <a:avLst/>
-            </a:prstGeom>
-          </p:spPr>
-        </p:pic>
-        <p:pic>
-          <p:nvPicPr>
-            <p:cNvPr id="12" name="Picture 11"/>
-            <p:cNvPicPr>
-              <a:picLocks noChangeAspect="1"/>
-            </p:cNvPicPr>
-            <p:nvPr/>
-          </p:nvPicPr>
-          <p:blipFill>
-            <a:blip r:embed="rId4" cstate="print">
-              <a:extLst>
-                <a:ext uri="{28A0092B-C50C-407E-A947-70E740481C1C}">
-                  <a14:useLocalDpi xmlns:a14="http://schemas.microsoft.com/office/drawing/2010/main" val="0"/>
-                </a:ext>
-              </a:extLst>
-            </a:blip>
-            <a:stretch>
-              <a:fillRect/>
-            </a:stretch>
-          </p:blipFill>
-          <p:spPr>
-            <a:xfrm>
-              <a:off x="1928551" y="6013799"/>
-              <a:ext cx="1086792" cy="576000"/>
-            </a:xfrm>
-            <a:prstGeom prst="rect">
-              <a:avLst/>
-            </a:prstGeom>
-          </p:spPr>
-        </p:pic>
-      </p:grpSp>
-    </p:spTree>
-    <p:extLst>
-      <p:ext uri="{BB962C8B-B14F-4D97-AF65-F5344CB8AC3E}">
-        <p14:creationId xmlns:p14="http://schemas.microsoft.com/office/powerpoint/2010/main" val="2083325704"/>
-      </p:ext>
-    </p:extLst>
-  </p:cSld>
-  <p:clrMapOvr>
-    <a:masterClrMapping/>
-  </p:clrMapOvr>
-  <p:timing>
-    <p:tnLst>
-      <p:par>
-        <p:cTn id="1" dur="indefinite" restart="never" nodeType="tmRoot"/>
-      </p:par>
-    </p:tnLst>
-  </p:timing>
-</p:sld>
-</file>
-
-<file path=ppt/slides/slide12.xml><?xml version="1.0" encoding="utf-8"?>
-<p:sld xmlns:a="http://schemas.openxmlformats.org/drawingml/2006/main" xmlns:r="http://schemas.openxmlformats.org/officeDocument/2006/relationships" xmlns:p="http://schemas.openxmlformats.org/presentationml/2006/main">
-  <p:cSld>
-    <p:spTree>
-      <p:nvGrpSpPr>
-        <p:cNvPr id="1" name=""/>
-        <p:cNvGrpSpPr/>
-        <p:nvPr/>
-      </p:nvGrpSpPr>
-      <p:grpSpPr>
-        <a:xfrm>
-          <a:off x="0" y="0"/>
-          <a:ext cx="0" cy="0"/>
-          <a:chOff x="0" y="0"/>
-          <a:chExt cx="0" cy="0"/>
-        </a:xfrm>
-      </p:grpSpPr>
-      <p:pic>
-        <p:nvPicPr>
-          <p:cNvPr id="4" name="Picture 3"/>
-          <p:cNvPicPr>
-            <a:picLocks noChangeAspect="1"/>
-          </p:cNvPicPr>
-          <p:nvPr/>
-        </p:nvPicPr>
-        <p:blipFill>
-          <a:blip r:embed="rId2" cstate="print">
-            <a:extLst>
-              <a:ext uri="{28A0092B-C50C-407E-A947-70E740481C1C}">
-                <a14:useLocalDpi xmlns:a14="http://schemas.microsoft.com/office/drawing/2010/main" val="0"/>
-              </a:ext>
-            </a:extLst>
-          </a:blip>
-          <a:stretch>
-            <a:fillRect/>
-          </a:stretch>
-        </p:blipFill>
-        <p:spPr>
-          <a:xfrm>
-            <a:off x="304800" y="138835"/>
-            <a:ext cx="983528" cy="983528"/>
-          </a:xfrm>
-          <a:prstGeom prst="rect">
-            <a:avLst/>
-          </a:prstGeom>
-        </p:spPr>
-      </p:pic>
-      <p:cxnSp>
-        <p:nvCxnSpPr>
-          <p:cNvPr id="8" name="Straight Connector 7"/>
-          <p:cNvCxnSpPr/>
-          <p:nvPr/>
-        </p:nvCxnSpPr>
-        <p:spPr>
-          <a:xfrm>
-            <a:off x="0" y="6677891"/>
-            <a:ext cx="12192000" cy="0"/>
-          </a:xfrm>
-          <a:prstGeom prst="line">
-            <a:avLst/>
-          </a:prstGeom>
-          <a:ln>
-            <a:solidFill>
-              <a:schemeClr val="tx1"/>
-            </a:solidFill>
-          </a:ln>
-        </p:spPr>
-        <p:style>
-          <a:lnRef idx="1">
-            <a:schemeClr val="accent1"/>
-          </a:lnRef>
-          <a:fillRef idx="0">
-            <a:schemeClr val="accent1"/>
-          </a:fillRef>
-          <a:effectRef idx="0">
-            <a:schemeClr val="accent1"/>
-          </a:effectRef>
-          <a:fontRef idx="minor">
-            <a:schemeClr val="tx1"/>
-          </a:fontRef>
-        </p:style>
-      </p:cxnSp>
-      <p:sp>
-        <p:nvSpPr>
-          <p:cNvPr id="9" name="TextBox 8"/>
-          <p:cNvSpPr txBox="1"/>
-          <p:nvPr/>
-        </p:nvSpPr>
-        <p:spPr>
-          <a:xfrm>
-            <a:off x="10668000" y="6392488"/>
-            <a:ext cx="1234633" cy="369332"/>
-          </a:xfrm>
-          <a:prstGeom prst="rect">
-            <a:avLst/>
-          </a:prstGeom>
-          <a:noFill/>
-        </p:spPr>
-        <p:txBody>
-          <a:bodyPr wrap="none" rtlCol="0">
-            <a:spAutoFit/>
-          </a:bodyPr>
-          <a:lstStyle/>
-          <a:p>
-            <a:r>
-              <a:rPr lang="pt-BR" dirty="0" smtClean="0">
-                <a:solidFill>
-                  <a:schemeClr val="bg1">
-                    <a:lumMod val="50000"/>
-                  </a:schemeClr>
-                </a:solidFill>
-              </a:rPr>
-              <a:t>CIn.ufpe.br</a:t>
-            </a:r>
-            <a:endParaRPr lang="pt-BR" dirty="0">
-              <a:solidFill>
-                <a:schemeClr val="bg1">
-                  <a:lumMod val="50000"/>
-                </a:schemeClr>
-              </a:solidFill>
-            </a:endParaRPr>
-          </a:p>
-        </p:txBody>
-      </p:sp>
-      <p:sp>
-        <p:nvSpPr>
           <p:cNvPr id="5" name="Title 4"/>
           <p:cNvSpPr>
             <a:spLocks noGrp="1"/>
@@ -4086,7 +4242,7 @@
                 <a:ea typeface="Noto Sans" panose="020B0502040504020204" pitchFamily="34"/>
                 <a:cs typeface="Noto Sans" panose="020B0502040504020204" pitchFamily="34"/>
               </a:rPr>
-              <a:t>Metodologia</a:t>
+              <a:t>Trabalho Relacionados</a:t>
             </a:r>
             <a:endParaRPr lang="pt-BR" b="1" dirty="0">
               <a:solidFill>
@@ -4196,7 +4352,354 @@
     </p:spTree>
     <p:extLst>
       <p:ext uri="{BB962C8B-B14F-4D97-AF65-F5344CB8AC3E}">
-        <p14:creationId xmlns:p14="http://schemas.microsoft.com/office/powerpoint/2010/main" val="3108560161"/>
+        <p14:creationId xmlns:p14="http://schemas.microsoft.com/office/powerpoint/2010/main" val="1954251699"/>
+      </p:ext>
+    </p:extLst>
+  </p:cSld>
+  <p:clrMapOvr>
+    <a:masterClrMapping/>
+  </p:clrMapOvr>
+  <p:timing>
+    <p:tnLst>
+      <p:par>
+        <p:cTn id="1" dur="indefinite" restart="never" nodeType="tmRoot"/>
+      </p:par>
+    </p:tnLst>
+  </p:timing>
+</p:sld>
+</file>
+
+<file path=ppt/slides/slide12.xml><?xml version="1.0" encoding="utf-8"?>
+<p:sld xmlns:a="http://schemas.openxmlformats.org/drawingml/2006/main" xmlns:r="http://schemas.openxmlformats.org/officeDocument/2006/relationships" xmlns:p="http://schemas.openxmlformats.org/presentationml/2006/main">
+  <p:cSld>
+    <p:spTree>
+      <p:nvGrpSpPr>
+        <p:cNvPr id="1" name=""/>
+        <p:cNvGrpSpPr/>
+        <p:nvPr/>
+      </p:nvGrpSpPr>
+      <p:grpSpPr>
+        <a:xfrm>
+          <a:off x="0" y="0"/>
+          <a:ext cx="0" cy="0"/>
+          <a:chOff x="0" y="0"/>
+          <a:chExt cx="0" cy="0"/>
+        </a:xfrm>
+      </p:grpSpPr>
+      <p:pic>
+        <p:nvPicPr>
+          <p:cNvPr id="4" name="Picture 3"/>
+          <p:cNvPicPr>
+            <a:picLocks noChangeAspect="1"/>
+          </p:cNvPicPr>
+          <p:nvPr/>
+        </p:nvPicPr>
+        <p:blipFill>
+          <a:blip r:embed="rId3" cstate="print">
+            <a:extLst>
+              <a:ext uri="{28A0092B-C50C-407E-A947-70E740481C1C}">
+                <a14:useLocalDpi xmlns:a14="http://schemas.microsoft.com/office/drawing/2010/main" val="0"/>
+              </a:ext>
+            </a:extLst>
+          </a:blip>
+          <a:stretch>
+            <a:fillRect/>
+          </a:stretch>
+        </p:blipFill>
+        <p:spPr>
+          <a:xfrm>
+            <a:off x="304800" y="138835"/>
+            <a:ext cx="983528" cy="983528"/>
+          </a:xfrm>
+          <a:prstGeom prst="rect">
+            <a:avLst/>
+          </a:prstGeom>
+        </p:spPr>
+      </p:pic>
+      <p:cxnSp>
+        <p:nvCxnSpPr>
+          <p:cNvPr id="8" name="Straight Connector 7"/>
+          <p:cNvCxnSpPr/>
+          <p:nvPr/>
+        </p:nvCxnSpPr>
+        <p:spPr>
+          <a:xfrm>
+            <a:off x="0" y="6677891"/>
+            <a:ext cx="12192000" cy="0"/>
+          </a:xfrm>
+          <a:prstGeom prst="line">
+            <a:avLst/>
+          </a:prstGeom>
+          <a:ln>
+            <a:solidFill>
+              <a:schemeClr val="tx1"/>
+            </a:solidFill>
+          </a:ln>
+        </p:spPr>
+        <p:style>
+          <a:lnRef idx="1">
+            <a:schemeClr val="accent1"/>
+          </a:lnRef>
+          <a:fillRef idx="0">
+            <a:schemeClr val="accent1"/>
+          </a:fillRef>
+          <a:effectRef idx="0">
+            <a:schemeClr val="accent1"/>
+          </a:effectRef>
+          <a:fontRef idx="minor">
+            <a:schemeClr val="tx1"/>
+          </a:fontRef>
+        </p:style>
+      </p:cxnSp>
+      <p:sp>
+        <p:nvSpPr>
+          <p:cNvPr id="9" name="TextBox 8"/>
+          <p:cNvSpPr txBox="1"/>
+          <p:nvPr/>
+        </p:nvSpPr>
+        <p:spPr>
+          <a:xfrm>
+            <a:off x="10668000" y="6392488"/>
+            <a:ext cx="1234633" cy="369332"/>
+          </a:xfrm>
+          <a:prstGeom prst="rect">
+            <a:avLst/>
+          </a:prstGeom>
+          <a:noFill/>
+        </p:spPr>
+        <p:txBody>
+          <a:bodyPr wrap="none" rtlCol="0">
+            <a:spAutoFit/>
+          </a:bodyPr>
+          <a:lstStyle/>
+          <a:p>
+            <a:r>
+              <a:rPr lang="pt-BR" dirty="0" smtClean="0">
+                <a:solidFill>
+                  <a:schemeClr val="bg1">
+                    <a:lumMod val="50000"/>
+                  </a:schemeClr>
+                </a:solidFill>
+              </a:rPr>
+              <a:t>CIn.ufpe.br</a:t>
+            </a:r>
+            <a:endParaRPr lang="pt-BR" dirty="0">
+              <a:solidFill>
+                <a:schemeClr val="bg1">
+                  <a:lumMod val="50000"/>
+                </a:schemeClr>
+              </a:solidFill>
+            </a:endParaRPr>
+          </a:p>
+        </p:txBody>
+      </p:sp>
+      <p:sp>
+        <p:nvSpPr>
+          <p:cNvPr id="7" name="Title 6"/>
+          <p:cNvSpPr>
+            <a:spLocks noGrp="1"/>
+          </p:cNvSpPr>
+          <p:nvPr>
+            <p:ph type="title"/>
+          </p:nvPr>
+        </p:nvSpPr>
+        <p:spPr>
+          <a:xfrm>
+            <a:off x="1791854" y="138836"/>
+            <a:ext cx="9561945" cy="983528"/>
+          </a:xfrm>
+        </p:spPr>
+        <p:txBody>
+          <a:bodyPr/>
+          <a:lstStyle/>
+          <a:p>
+            <a:r>
+              <a:rPr lang="pt-BR" b="1" dirty="0" smtClean="0">
+                <a:solidFill>
+                  <a:srgbClr val="FF182C"/>
+                </a:solidFill>
+                <a:latin typeface="Noto Sans" panose="020B0502040504020204" pitchFamily="34"/>
+                <a:ea typeface="Noto Sans" panose="020B0502040504020204" pitchFamily="34"/>
+                <a:cs typeface="Noto Sans" panose="020B0502040504020204" pitchFamily="34"/>
+              </a:rPr>
+              <a:t>Trabalhos Relacionados</a:t>
+            </a:r>
+            <a:endParaRPr lang="pt-BR" b="1" dirty="0">
+              <a:solidFill>
+                <a:srgbClr val="FF182C"/>
+              </a:solidFill>
+              <a:latin typeface="Noto Sans" panose="020B0502040504020204" pitchFamily="34"/>
+              <a:ea typeface="Noto Sans" panose="020B0502040504020204" pitchFamily="34"/>
+              <a:cs typeface="Noto Sans" panose="020B0502040504020204" pitchFamily="34"/>
+            </a:endParaRPr>
+          </a:p>
+        </p:txBody>
+      </p:sp>
+      <p:sp>
+        <p:nvSpPr>
+          <p:cNvPr id="2" name="Content Placeholder 1"/>
+          <p:cNvSpPr>
+            <a:spLocks noGrp="1"/>
+          </p:cNvSpPr>
+          <p:nvPr>
+            <p:ph sz="half" idx="1"/>
+          </p:nvPr>
+        </p:nvSpPr>
+        <p:spPr>
+          <a:xfrm>
+            <a:off x="838199" y="1825625"/>
+            <a:ext cx="10882745" cy="4351338"/>
+          </a:xfrm>
+        </p:spPr>
+        <p:txBody>
+          <a:bodyPr>
+            <a:normAutofit fontScale="92500" lnSpcReduction="20000"/>
+          </a:bodyPr>
+          <a:lstStyle/>
+          <a:p>
+            <a:pPr algn="just"/>
+            <a:r>
+              <a:rPr lang="pt-BR" dirty="0" smtClean="0"/>
+              <a:t>2002: Foi realizada uma comparação de cincos algoritmo de regressão para o problema de localização móvel, usando o RSSI das estações bases. </a:t>
+            </a:r>
+            <a:r>
+              <a:rPr lang="pt-BR" dirty="0" smtClean="0"/>
+              <a:t>Os melhores resultados foram obtidos com o SVR.</a:t>
+            </a:r>
+          </a:p>
+          <a:p>
+            <a:pPr algn="just"/>
+            <a:r>
+              <a:rPr lang="pt-BR" dirty="0" smtClean="0"/>
+              <a:t>2016: </a:t>
+            </a:r>
+            <a:r>
+              <a:rPr lang="pt-BR" dirty="0" smtClean="0"/>
+              <a:t>SVR utilizando a abordagem fingerprinting baseada em RSSI para estimar a posição de uma EM </a:t>
+            </a:r>
+            <a:r>
+              <a:rPr lang="pt-BR" dirty="0" err="1" smtClean="0"/>
+              <a:t>em</a:t>
+            </a:r>
+            <a:r>
+              <a:rPr lang="pt-BR" dirty="0" smtClean="0"/>
+              <a:t> um ambiente outdoor. Comparado com técnicas tradicionais de fingerprinting como COST-231 e ECC-33. apesar do SVR apresentar uma boa acurácia, o treinamento do modelo apresentou ser 81 vezes mais lento em relação aos outros dois. Porém, para a etapa de construção do CDB apresentou uma performance um pouco melhor. </a:t>
+            </a:r>
+          </a:p>
+          <a:p>
+            <a:pPr algn="just"/>
+            <a:r>
+              <a:rPr lang="pt-BR" dirty="0" smtClean="0"/>
+              <a:t>2018: </a:t>
+            </a:r>
+            <a:r>
+              <a:rPr lang="pt-BR" dirty="0"/>
+              <a:t>Comparação de dois algoritmos k-NN/ST e SVR/ST </a:t>
+            </a:r>
+            <a:r>
+              <a:rPr lang="pt-BR" dirty="0" smtClean="0"/>
+              <a:t>que encontram diretamente as coordenadas geográfica de uma EM </a:t>
+            </a:r>
+            <a:r>
+              <a:rPr lang="pt-BR" dirty="0" err="1" smtClean="0"/>
+              <a:t>em</a:t>
+            </a:r>
+            <a:r>
+              <a:rPr lang="pt-BR" dirty="0" smtClean="0"/>
+              <a:t> uma rede celular, por meio de sinais de rádio frequência. O SVR/ST </a:t>
+            </a:r>
+            <a:r>
+              <a:rPr lang="pt-BR" dirty="0"/>
+              <a:t>apresentou melhor acurácia, porém o K-NN/ST foi mais rápido na fase de treinamento. </a:t>
+            </a:r>
+          </a:p>
+          <a:p>
+            <a:pPr marL="0" indent="0" algn="just">
+              <a:buNone/>
+            </a:pPr>
+            <a:endParaRPr lang="pt-BR" dirty="0" smtClean="0"/>
+          </a:p>
+        </p:txBody>
+      </p:sp>
+      <p:grpSp>
+        <p:nvGrpSpPr>
+          <p:cNvPr id="10" name="Group 9"/>
+          <p:cNvGrpSpPr/>
+          <p:nvPr/>
+        </p:nvGrpSpPr>
+        <p:grpSpPr>
+          <a:xfrm>
+            <a:off x="304800" y="6013799"/>
+            <a:ext cx="2710543" cy="576000"/>
+            <a:chOff x="304800" y="6013799"/>
+            <a:chExt cx="2710543" cy="580164"/>
+          </a:xfrm>
+        </p:grpSpPr>
+        <p:pic>
+          <p:nvPicPr>
+            <p:cNvPr id="11" name="Picture 10"/>
+            <p:cNvPicPr>
+              <a:picLocks noChangeAspect="1"/>
+            </p:cNvPicPr>
+            <p:nvPr/>
+          </p:nvPicPr>
+          <p:blipFill>
+            <a:blip r:embed="rId4">
+              <a:extLst>
+                <a:ext uri="{28A0092B-C50C-407E-A947-70E740481C1C}">
+                  <a14:useLocalDpi xmlns:a14="http://schemas.microsoft.com/office/drawing/2010/main" val="0"/>
+                </a:ext>
+              </a:extLst>
+            </a:blip>
+            <a:stretch>
+              <a:fillRect/>
+            </a:stretch>
+          </p:blipFill>
+          <p:spPr>
+            <a:xfrm>
+              <a:off x="304800" y="6017963"/>
+              <a:ext cx="1396364" cy="576000"/>
+            </a:xfrm>
+            <a:prstGeom prst="rect">
+              <a:avLst/>
+            </a:prstGeom>
+          </p:spPr>
+        </p:pic>
+        <p:pic>
+          <p:nvPicPr>
+            <p:cNvPr id="12" name="Picture 11"/>
+            <p:cNvPicPr>
+              <a:picLocks noChangeAspect="1"/>
+            </p:cNvPicPr>
+            <p:nvPr/>
+          </p:nvPicPr>
+          <p:blipFill>
+            <a:blip r:embed="rId5" cstate="print">
+              <a:extLst>
+                <a:ext uri="{28A0092B-C50C-407E-A947-70E740481C1C}">
+                  <a14:useLocalDpi xmlns:a14="http://schemas.microsoft.com/office/drawing/2010/main" val="0"/>
+                </a:ext>
+              </a:extLst>
+            </a:blip>
+            <a:stretch>
+              <a:fillRect/>
+            </a:stretch>
+          </p:blipFill>
+          <p:spPr>
+            <a:xfrm>
+              <a:off x="1928551" y="6013799"/>
+              <a:ext cx="1086792" cy="576000"/>
+            </a:xfrm>
+            <a:prstGeom prst="rect">
+              <a:avLst/>
+            </a:prstGeom>
+          </p:spPr>
+        </p:pic>
+      </p:grpSp>
+    </p:spTree>
+    <p:extLst>
+      <p:ext uri="{BB962C8B-B14F-4D97-AF65-F5344CB8AC3E}">
+        <p14:creationId xmlns:p14="http://schemas.microsoft.com/office/powerpoint/2010/main" val="2083325704"/>
       </p:ext>
     </p:extLst>
   </p:cSld>
@@ -4339,6 +4842,281 @@
       </p:sp>
       <p:sp>
         <p:nvSpPr>
+          <p:cNvPr id="5" name="Title 4"/>
+          <p:cNvSpPr>
+            <a:spLocks noGrp="1"/>
+          </p:cNvSpPr>
+          <p:nvPr>
+            <p:ph type="title"/>
+          </p:nvPr>
+        </p:nvSpPr>
+        <p:spPr/>
+        <p:txBody>
+          <a:bodyPr/>
+          <a:lstStyle/>
+          <a:p>
+            <a:r>
+              <a:rPr lang="pt-BR" b="1" dirty="0" smtClean="0">
+                <a:solidFill>
+                  <a:srgbClr val="FF182C"/>
+                </a:solidFill>
+                <a:latin typeface="Noto Sans" panose="020B0502040504020204" pitchFamily="34"/>
+                <a:ea typeface="Noto Sans" panose="020B0502040504020204" pitchFamily="34"/>
+                <a:cs typeface="Noto Sans" panose="020B0502040504020204" pitchFamily="34"/>
+              </a:rPr>
+              <a:t>Metodologia</a:t>
+            </a:r>
+            <a:endParaRPr lang="pt-BR" b="1" dirty="0">
+              <a:solidFill>
+                <a:srgbClr val="FF182C"/>
+              </a:solidFill>
+              <a:latin typeface="Noto Sans" panose="020B0502040504020204" pitchFamily="34"/>
+              <a:ea typeface="Noto Sans" panose="020B0502040504020204" pitchFamily="34"/>
+              <a:cs typeface="Noto Sans" panose="020B0502040504020204" pitchFamily="34"/>
+            </a:endParaRPr>
+          </a:p>
+        </p:txBody>
+      </p:sp>
+      <p:sp>
+        <p:nvSpPr>
+          <p:cNvPr id="6" name="Text Placeholder 5"/>
+          <p:cNvSpPr>
+            <a:spLocks noGrp="1"/>
+          </p:cNvSpPr>
+          <p:nvPr>
+            <p:ph type="body" idx="1"/>
+          </p:nvPr>
+        </p:nvSpPr>
+        <p:spPr/>
+        <p:txBody>
+          <a:bodyPr/>
+          <a:lstStyle/>
+          <a:p>
+            <a:endParaRPr lang="pt-BR" dirty="0"/>
+          </a:p>
+        </p:txBody>
+      </p:sp>
+      <p:grpSp>
+        <p:nvGrpSpPr>
+          <p:cNvPr id="7" name="Group 6"/>
+          <p:cNvGrpSpPr/>
+          <p:nvPr/>
+        </p:nvGrpSpPr>
+        <p:grpSpPr>
+          <a:xfrm>
+            <a:off x="304800" y="6013799"/>
+            <a:ext cx="2710543" cy="576000"/>
+            <a:chOff x="304800" y="6013799"/>
+            <a:chExt cx="2710543" cy="580164"/>
+          </a:xfrm>
+        </p:grpSpPr>
+        <p:pic>
+          <p:nvPicPr>
+            <p:cNvPr id="10" name="Picture 9"/>
+            <p:cNvPicPr>
+              <a:picLocks noChangeAspect="1"/>
+            </p:cNvPicPr>
+            <p:nvPr/>
+          </p:nvPicPr>
+          <p:blipFill>
+            <a:blip r:embed="rId3">
+              <a:extLst>
+                <a:ext uri="{28A0092B-C50C-407E-A947-70E740481C1C}">
+                  <a14:useLocalDpi xmlns:a14="http://schemas.microsoft.com/office/drawing/2010/main" val="0"/>
+                </a:ext>
+              </a:extLst>
+            </a:blip>
+            <a:stretch>
+              <a:fillRect/>
+            </a:stretch>
+          </p:blipFill>
+          <p:spPr>
+            <a:xfrm>
+              <a:off x="304800" y="6017963"/>
+              <a:ext cx="1396364" cy="576000"/>
+            </a:xfrm>
+            <a:prstGeom prst="rect">
+              <a:avLst/>
+            </a:prstGeom>
+          </p:spPr>
+        </p:pic>
+        <p:pic>
+          <p:nvPicPr>
+            <p:cNvPr id="11" name="Picture 10"/>
+            <p:cNvPicPr>
+              <a:picLocks noChangeAspect="1"/>
+            </p:cNvPicPr>
+            <p:nvPr/>
+          </p:nvPicPr>
+          <p:blipFill>
+            <a:blip r:embed="rId4" cstate="print">
+              <a:extLst>
+                <a:ext uri="{28A0092B-C50C-407E-A947-70E740481C1C}">
+                  <a14:useLocalDpi xmlns:a14="http://schemas.microsoft.com/office/drawing/2010/main" val="0"/>
+                </a:ext>
+              </a:extLst>
+            </a:blip>
+            <a:stretch>
+              <a:fillRect/>
+            </a:stretch>
+          </p:blipFill>
+          <p:spPr>
+            <a:xfrm>
+              <a:off x="1928551" y="6013799"/>
+              <a:ext cx="1086792" cy="576000"/>
+            </a:xfrm>
+            <a:prstGeom prst="rect">
+              <a:avLst/>
+            </a:prstGeom>
+          </p:spPr>
+        </p:pic>
+      </p:grpSp>
+    </p:spTree>
+    <p:extLst>
+      <p:ext uri="{BB962C8B-B14F-4D97-AF65-F5344CB8AC3E}">
+        <p14:creationId xmlns:p14="http://schemas.microsoft.com/office/powerpoint/2010/main" val="3108560161"/>
+      </p:ext>
+    </p:extLst>
+  </p:cSld>
+  <p:clrMapOvr>
+    <a:masterClrMapping/>
+  </p:clrMapOvr>
+  <p:timing>
+    <p:tnLst>
+      <p:par>
+        <p:cTn id="1" dur="indefinite" restart="never" nodeType="tmRoot"/>
+      </p:par>
+    </p:tnLst>
+  </p:timing>
+</p:sld>
+</file>
+
+<file path=ppt/slides/slide14.xml><?xml version="1.0" encoding="utf-8"?>
+<p:sld xmlns:a="http://schemas.openxmlformats.org/drawingml/2006/main" xmlns:r="http://schemas.openxmlformats.org/officeDocument/2006/relationships" xmlns:p="http://schemas.openxmlformats.org/presentationml/2006/main">
+  <p:cSld>
+    <p:spTree>
+      <p:nvGrpSpPr>
+        <p:cNvPr id="1" name=""/>
+        <p:cNvGrpSpPr/>
+        <p:nvPr/>
+      </p:nvGrpSpPr>
+      <p:grpSpPr>
+        <a:xfrm>
+          <a:off x="0" y="0"/>
+          <a:ext cx="0" cy="0"/>
+          <a:chOff x="0" y="0"/>
+          <a:chExt cx="0" cy="0"/>
+        </a:xfrm>
+      </p:grpSpPr>
+      <p:pic>
+        <p:nvPicPr>
+          <p:cNvPr id="4" name="Picture 3"/>
+          <p:cNvPicPr>
+            <a:picLocks noChangeAspect="1"/>
+          </p:cNvPicPr>
+          <p:nvPr/>
+        </p:nvPicPr>
+        <p:blipFill>
+          <a:blip r:embed="rId2" cstate="print">
+            <a:extLst>
+              <a:ext uri="{28A0092B-C50C-407E-A947-70E740481C1C}">
+                <a14:useLocalDpi xmlns:a14="http://schemas.microsoft.com/office/drawing/2010/main" val="0"/>
+              </a:ext>
+            </a:extLst>
+          </a:blip>
+          <a:stretch>
+            <a:fillRect/>
+          </a:stretch>
+        </p:blipFill>
+        <p:spPr>
+          <a:xfrm>
+            <a:off x="304800" y="138835"/>
+            <a:ext cx="983528" cy="983528"/>
+          </a:xfrm>
+          <a:prstGeom prst="rect">
+            <a:avLst/>
+          </a:prstGeom>
+        </p:spPr>
+      </p:pic>
+      <p:cxnSp>
+        <p:nvCxnSpPr>
+          <p:cNvPr id="8" name="Straight Connector 7"/>
+          <p:cNvCxnSpPr/>
+          <p:nvPr/>
+        </p:nvCxnSpPr>
+        <p:spPr>
+          <a:xfrm>
+            <a:off x="0" y="6677891"/>
+            <a:ext cx="12192000" cy="0"/>
+          </a:xfrm>
+          <a:prstGeom prst="line">
+            <a:avLst/>
+          </a:prstGeom>
+          <a:ln>
+            <a:solidFill>
+              <a:schemeClr val="tx1"/>
+            </a:solidFill>
+          </a:ln>
+        </p:spPr>
+        <p:style>
+          <a:lnRef idx="1">
+            <a:schemeClr val="accent1"/>
+          </a:lnRef>
+          <a:fillRef idx="0">
+            <a:schemeClr val="accent1"/>
+          </a:fillRef>
+          <a:effectRef idx="0">
+            <a:schemeClr val="accent1"/>
+          </a:effectRef>
+          <a:fontRef idx="minor">
+            <a:schemeClr val="tx1"/>
+          </a:fontRef>
+        </p:style>
+      </p:cxnSp>
+      <p:sp>
+        <p:nvSpPr>
+          <p:cNvPr id="9" name="TextBox 8"/>
+          <p:cNvSpPr txBox="1"/>
+          <p:nvPr/>
+        </p:nvSpPr>
+        <p:spPr>
+          <a:xfrm>
+            <a:off x="10668000" y="6392488"/>
+            <a:ext cx="1234633" cy="369332"/>
+          </a:xfrm>
+          <a:prstGeom prst="rect">
+            <a:avLst/>
+          </a:prstGeom>
+          <a:noFill/>
+        </p:spPr>
+        <p:txBody>
+          <a:bodyPr wrap="none" rtlCol="0">
+            <a:spAutoFit/>
+          </a:bodyPr>
+          <a:lstStyle/>
+          <a:p>
+            <a:r>
+              <a:rPr lang="pt-BR" dirty="0" smtClean="0">
+                <a:solidFill>
+                  <a:schemeClr val="bg1">
+                    <a:lumMod val="50000"/>
+                  </a:schemeClr>
+                </a:solidFill>
+              </a:rPr>
+              <a:t>CIn.ufpe.br</a:t>
+            </a:r>
+            <a:endParaRPr lang="pt-BR" dirty="0">
+              <a:solidFill>
+                <a:schemeClr val="bg1">
+                  <a:lumMod val="50000"/>
+                </a:schemeClr>
+              </a:solidFill>
+            </a:endParaRPr>
+          </a:p>
+        </p:txBody>
+      </p:sp>
+      <p:sp>
+        <p:nvSpPr>
           <p:cNvPr id="7" name="Title 6"/>
           <p:cNvSpPr>
             <a:spLocks noGrp="1"/>
@@ -4379,8 +5157,8 @@
           </a:p>
         </p:txBody>
       </p:sp>
-      <mc:AlternateContent xmlns:mc="http://schemas.openxmlformats.org/markup-compatibility/2006" xmlns:a14="http://schemas.microsoft.com/office/drawing/2010/main">
-        <mc:Choice Requires="a14">
+      <mc:AlternateContent xmlns:mc="http://schemas.openxmlformats.org/markup-compatibility/2006">
+        <mc:Choice xmlns:a14="http://schemas.microsoft.com/office/drawing/2010/main" Requires="a14">
           <p:sp>
             <p:nvSpPr>
               <p:cNvPr id="3" name="Content Placeholder 2"/>
@@ -4394,7 +5172,7 @@
             <p:spPr>
               <a:xfrm>
                 <a:off x="838200" y="1825625"/>
-                <a:ext cx="10515600" cy="1065357"/>
+                <a:ext cx="10515600" cy="4104216"/>
               </a:xfrm>
             </p:spPr>
             <p:txBody>
@@ -4403,6 +5181,7 @@
               </a:bodyPr>
               <a:lstStyle/>
               <a:p>
+                <a:pPr algn="just"/>
                 <a:r>
                   <a:rPr lang="pt-BR" dirty="0" smtClean="0"/>
                   <a:t>Área urbana de aproximadamente </a:t>
@@ -4442,16 +5221,70 @@
                         </m:r>
                       </m:sup>
                     </m:sSup>
+                    <m:r>
+                      <a:rPr lang="pt-BR" b="0" i="1" smtClean="0">
+                        <a:latin typeface="Cambria Math" panose="02040503050406030204" pitchFamily="18" charset="0"/>
+                      </a:rPr>
+                      <m:t>.</m:t>
+                    </m:r>
                   </m:oMath>
                 </a14:m>
                 <a:endParaRPr lang="pt-BR" dirty="0" smtClean="0"/>
               </a:p>
               <a:p>
-                <a:pPr lvl="1"/>
+                <a:pPr lvl="1" algn="just">
+                  <a:buFont typeface="Wingdings" panose="05000000000000000000" pitchFamily="2" charset="2"/>
+                  <a:buChar char="Ø"/>
+                </a:pPr>
                 <a:r>
                   <a:rPr lang="pt-BR" dirty="0" smtClean="0"/>
-                  <a:t>Campus UFPE, Cidade Universitária, Recife-PE</a:t>
+                  <a:t>Campus UFPE, Cidade Universitária, </a:t>
                 </a:r>
+                <a:r>
+                  <a:rPr lang="pt-BR" dirty="0" smtClean="0"/>
+                  <a:t>Recife-PE</a:t>
+                </a:r>
+              </a:p>
+              <a:p>
+                <a:pPr algn="just"/>
+                <a:endParaRPr lang="pt-BR" dirty="0" smtClean="0"/>
+              </a:p>
+              <a:p>
+                <a:pPr marL="228600" lvl="1" algn="just">
+                  <a:spcBef>
+                    <a:spcPts val="1000"/>
+                  </a:spcBef>
+                </a:pPr>
+                <a:r>
+                  <a:rPr lang="pt-BR" dirty="0" smtClean="0"/>
+                  <a:t>9679 medições de RSSI (em DBm) e coordenada </a:t>
+                </a:r>
+                <a:r>
+                  <a:rPr lang="pt-BR" dirty="0"/>
+                  <a:t>geográfica (latitude e </a:t>
+                </a:r>
+                <a:r>
+                  <a:rPr lang="pt-BR" dirty="0" smtClean="0"/>
+                  <a:t>longitude) para 9 ERBs.</a:t>
+                </a:r>
+              </a:p>
+              <a:p>
+                <a:pPr marL="800100" lvl="2" indent="-342900" algn="just">
+                  <a:spcBef>
+                    <a:spcPts val="1000"/>
+                  </a:spcBef>
+                  <a:buFont typeface="Wingdings" panose="05000000000000000000" pitchFamily="2" charset="2"/>
+                  <a:buChar char="Ø"/>
+                </a:pPr>
+                <a:r>
+                  <a:rPr lang="pt-BR" dirty="0" smtClean="0"/>
+                  <a:t>Distância (km) do ponto de observação </a:t>
+                </a:r>
+                <a:r>
+                  <a:rPr lang="pt-BR" smtClean="0"/>
+                  <a:t>para cada site</a:t>
+                </a:r>
+                <a:endParaRPr lang="pt-BR" dirty="0"/>
               </a:p>
               <a:p>
                 <a:pPr lvl="1"/>
@@ -4464,7 +5297,7 @@
             </p:txBody>
           </p:sp>
         </mc:Choice>
-        <mc:Fallback xmlns="">
+        <mc:Fallback>
           <p:sp>
             <p:nvSpPr>
               <p:cNvPr id="3" name="Content Placeholder 2"/>
@@ -4478,12 +5311,12 @@
             <p:spPr>
               <a:xfrm>
                 <a:off x="838200" y="1825625"/>
-                <a:ext cx="10515600" cy="1065357"/>
+                <a:ext cx="10515600" cy="4104216"/>
               </a:xfrm>
               <a:blipFill>
                 <a:blip r:embed="rId3"/>
                 <a:stretch>
-                  <a:fillRect l="-1043" t="-9143"/>
+                  <a:fillRect l="-1043" t="-2374" r="-870"/>
                 </a:stretch>
               </a:blipFill>
             </p:spPr>
@@ -4792,7 +5625,7 @@
 </p:sld>
 </file>
 
-<file path=ppt/slides/slide14.xml><?xml version="1.0" encoding="utf-8"?>
+<file path=ppt/slides/slide15.xml><?xml version="1.0" encoding="utf-8"?>
 <p:sld xmlns:a="http://schemas.openxmlformats.org/drawingml/2006/main" xmlns:r="http://schemas.openxmlformats.org/officeDocument/2006/relationships" xmlns:p="http://schemas.openxmlformats.org/presentationml/2006/main">
   <p:cSld>
     <p:spTree>
@@ -5406,7 +6239,7 @@
 </p:sld>
 </file>
 
-<file path=ppt/slides/slide15.xml><?xml version="1.0" encoding="utf-8"?>
+<file path=ppt/slides/slide16.xml><?xml version="1.0" encoding="utf-8"?>
 <p:sld xmlns:a="http://schemas.openxmlformats.org/drawingml/2006/main" xmlns:r="http://schemas.openxmlformats.org/officeDocument/2006/relationships" xmlns:p="http://schemas.openxmlformats.org/presentationml/2006/main">
   <p:cSld>
     <p:spTree>
@@ -6043,7 +6876,7 @@
 </p:sld>
 </file>
 
-<file path=ppt/slides/slide16.xml><?xml version="1.0" encoding="utf-8"?>
+<file path=ppt/slides/slide17.xml><?xml version="1.0" encoding="utf-8"?>
 <p:sld xmlns:a="http://schemas.openxmlformats.org/drawingml/2006/main" xmlns:r="http://schemas.openxmlformats.org/officeDocument/2006/relationships" xmlns:p="http://schemas.openxmlformats.org/presentationml/2006/main">
   <p:cSld>
     <p:spTree>
@@ -6595,7 +7428,7 @@
 </p:sld>
 </file>
 
-<file path=ppt/slides/slide17.xml><?xml version="1.0" encoding="utf-8"?>
+<file path=ppt/slides/slide18.xml><?xml version="1.0" encoding="utf-8"?>
 <p:sld xmlns:a="http://schemas.openxmlformats.org/drawingml/2006/main" xmlns:r="http://schemas.openxmlformats.org/officeDocument/2006/relationships" xmlns:p="http://schemas.openxmlformats.org/presentationml/2006/main">
   <p:cSld>
     <p:spTree>
@@ -6802,8 +7635,8 @@
           </a:p>
         </p:txBody>
       </p:sp>
-      <mc:AlternateContent xmlns:mc="http://schemas.openxmlformats.org/markup-compatibility/2006">
-        <mc:Choice xmlns:a14="http://schemas.microsoft.com/office/drawing/2010/main" Requires="a14">
+      <mc:AlternateContent xmlns:mc="http://schemas.openxmlformats.org/markup-compatibility/2006" xmlns:a14="http://schemas.microsoft.com/office/drawing/2010/main">
+        <mc:Choice Requires="a14">
           <p:graphicFrame>
             <p:nvGraphicFramePr>
               <p:cNvPr id="20" name="Content Placeholder 19"/>
@@ -7426,7 +8259,7 @@
             </a:graphic>
           </p:graphicFrame>
         </mc:Choice>
-        <mc:Fallback>
+        <mc:Fallback xmlns="">
           <p:graphicFrame>
             <p:nvGraphicFramePr>
               <p:cNvPr id="20" name="Content Placeholder 19"/>
@@ -8046,8 +8879,8 @@
           </a:p>
         </p:txBody>
       </p:sp>
-      <mc:AlternateContent xmlns:mc="http://schemas.openxmlformats.org/markup-compatibility/2006">
-        <mc:Choice xmlns:a14="http://schemas.microsoft.com/office/drawing/2010/main" Requires="a14">
+      <mc:AlternateContent xmlns:mc="http://schemas.openxmlformats.org/markup-compatibility/2006" xmlns:a14="http://schemas.microsoft.com/office/drawing/2010/main">
+        <mc:Choice Requires="a14">
           <p:sp>
             <p:nvSpPr>
               <p:cNvPr id="22" name="Content Placeholder 21"/>
@@ -8194,7 +9027,6 @@
                   <a:rPr lang="pt-BR" sz="1800" dirty="0"/>
                   <a:t>; 0,05; 0,1; 0,5; 1; 2; 4) </a:t>
                 </a:r>
-                <a:endParaRPr lang="pt-BR" sz="1800" dirty="0"/>
               </a:p>
               <a:p>
                 <a:r>
@@ -8282,7 +9114,7 @@
             </p:txBody>
           </p:sp>
         </mc:Choice>
-        <mc:Fallback>
+        <mc:Fallback xmlns="">
           <p:sp>
             <p:nvSpPr>
               <p:cNvPr id="22" name="Content Placeholder 21"/>
@@ -10018,7 +10850,7 @@
 </p:sld>
 </file>
 
-<file path=ppt/slides/slide18.xml><?xml version="1.0" encoding="utf-8"?>
+<file path=ppt/slides/slide19.xml><?xml version="1.0" encoding="utf-8"?>
 <p:sld xmlns:a="http://schemas.openxmlformats.org/drawingml/2006/main" xmlns:r="http://schemas.openxmlformats.org/officeDocument/2006/relationships" xmlns:p="http://schemas.openxmlformats.org/presentationml/2006/main">
   <p:cSld>
     <p:spTree>
@@ -10595,7 +11427,340 @@
 </p:sld>
 </file>
 
-<file path=ppt/slides/slide19.xml><?xml version="1.0" encoding="utf-8"?>
+<file path=ppt/slides/slide2.xml><?xml version="1.0" encoding="utf-8"?>
+<p:sld xmlns:a="http://schemas.openxmlformats.org/drawingml/2006/main" xmlns:r="http://schemas.openxmlformats.org/officeDocument/2006/relationships" xmlns:p="http://schemas.openxmlformats.org/presentationml/2006/main">
+  <p:cSld>
+    <p:spTree>
+      <p:nvGrpSpPr>
+        <p:cNvPr id="1" name=""/>
+        <p:cNvGrpSpPr/>
+        <p:nvPr/>
+      </p:nvGrpSpPr>
+      <p:grpSpPr>
+        <a:xfrm>
+          <a:off x="0" y="0"/>
+          <a:ext cx="0" cy="0"/>
+          <a:chOff x="0" y="0"/>
+          <a:chExt cx="0" cy="0"/>
+        </a:xfrm>
+      </p:grpSpPr>
+      <p:pic>
+        <p:nvPicPr>
+          <p:cNvPr id="4" name="Picture 3"/>
+          <p:cNvPicPr>
+            <a:picLocks noChangeAspect="1"/>
+          </p:cNvPicPr>
+          <p:nvPr/>
+        </p:nvPicPr>
+        <p:blipFill>
+          <a:blip r:embed="rId2" cstate="print">
+            <a:extLst>
+              <a:ext uri="{28A0092B-C50C-407E-A947-70E740481C1C}">
+                <a14:useLocalDpi xmlns:a14="http://schemas.microsoft.com/office/drawing/2010/main" val="0"/>
+              </a:ext>
+            </a:extLst>
+          </a:blip>
+          <a:stretch>
+            <a:fillRect/>
+          </a:stretch>
+        </p:blipFill>
+        <p:spPr>
+          <a:xfrm>
+            <a:off x="304800" y="138835"/>
+            <a:ext cx="983528" cy="983528"/>
+          </a:xfrm>
+          <a:prstGeom prst="rect">
+            <a:avLst/>
+          </a:prstGeom>
+        </p:spPr>
+      </p:pic>
+      <p:cxnSp>
+        <p:nvCxnSpPr>
+          <p:cNvPr id="8" name="Straight Connector 7"/>
+          <p:cNvCxnSpPr/>
+          <p:nvPr/>
+        </p:nvCxnSpPr>
+        <p:spPr>
+          <a:xfrm>
+            <a:off x="0" y="6677891"/>
+            <a:ext cx="12192000" cy="0"/>
+          </a:xfrm>
+          <a:prstGeom prst="line">
+            <a:avLst/>
+          </a:prstGeom>
+          <a:ln>
+            <a:solidFill>
+              <a:schemeClr val="tx1"/>
+            </a:solidFill>
+          </a:ln>
+        </p:spPr>
+        <p:style>
+          <a:lnRef idx="1">
+            <a:schemeClr val="accent1"/>
+          </a:lnRef>
+          <a:fillRef idx="0">
+            <a:schemeClr val="accent1"/>
+          </a:fillRef>
+          <a:effectRef idx="0">
+            <a:schemeClr val="accent1"/>
+          </a:effectRef>
+          <a:fontRef idx="minor">
+            <a:schemeClr val="tx1"/>
+          </a:fontRef>
+        </p:style>
+      </p:cxnSp>
+      <p:sp>
+        <p:nvSpPr>
+          <p:cNvPr id="9" name="TextBox 8"/>
+          <p:cNvSpPr txBox="1"/>
+          <p:nvPr/>
+        </p:nvSpPr>
+        <p:spPr>
+          <a:xfrm>
+            <a:off x="10668000" y="6392488"/>
+            <a:ext cx="1234633" cy="369332"/>
+          </a:xfrm>
+          <a:prstGeom prst="rect">
+            <a:avLst/>
+          </a:prstGeom>
+          <a:noFill/>
+        </p:spPr>
+        <p:txBody>
+          <a:bodyPr wrap="none" rtlCol="0">
+            <a:spAutoFit/>
+          </a:bodyPr>
+          <a:lstStyle/>
+          <a:p>
+            <a:r>
+              <a:rPr lang="pt-BR" dirty="0" smtClean="0">
+                <a:solidFill>
+                  <a:schemeClr val="bg1">
+                    <a:lumMod val="50000"/>
+                  </a:schemeClr>
+                </a:solidFill>
+              </a:rPr>
+              <a:t>CIn.ufpe.br</a:t>
+            </a:r>
+            <a:endParaRPr lang="pt-BR" dirty="0">
+              <a:solidFill>
+                <a:schemeClr val="bg1">
+                  <a:lumMod val="50000"/>
+                </a:schemeClr>
+              </a:solidFill>
+            </a:endParaRPr>
+          </a:p>
+        </p:txBody>
+      </p:sp>
+      <p:sp>
+        <p:nvSpPr>
+          <p:cNvPr id="7" name="Title 6"/>
+          <p:cNvSpPr>
+            <a:spLocks noGrp="1"/>
+          </p:cNvSpPr>
+          <p:nvPr>
+            <p:ph type="title"/>
+          </p:nvPr>
+        </p:nvSpPr>
+        <p:spPr>
+          <a:xfrm>
+            <a:off x="1791854" y="138836"/>
+            <a:ext cx="9561945" cy="983528"/>
+          </a:xfrm>
+        </p:spPr>
+        <p:txBody>
+          <a:bodyPr/>
+          <a:lstStyle/>
+          <a:p>
+            <a:r>
+              <a:rPr lang="pt-BR" b="1" dirty="0" smtClean="0">
+                <a:solidFill>
+                  <a:srgbClr val="FF182C"/>
+                </a:solidFill>
+                <a:latin typeface="Noto Sans" panose="020B0502040504020204" pitchFamily="34"/>
+                <a:ea typeface="Noto Sans" panose="020B0502040504020204" pitchFamily="34"/>
+                <a:cs typeface="Noto Sans" panose="020B0502040504020204" pitchFamily="34"/>
+              </a:rPr>
+              <a:t>Roteiro</a:t>
+            </a:r>
+            <a:endParaRPr lang="pt-BR" b="1" dirty="0">
+              <a:solidFill>
+                <a:srgbClr val="FF182C"/>
+              </a:solidFill>
+              <a:latin typeface="Noto Sans" panose="020B0502040504020204" pitchFamily="34"/>
+              <a:ea typeface="Noto Sans" panose="020B0502040504020204" pitchFamily="34"/>
+              <a:cs typeface="Noto Sans" panose="020B0502040504020204" pitchFamily="34"/>
+            </a:endParaRPr>
+          </a:p>
+        </p:txBody>
+      </p:sp>
+      <p:sp>
+        <p:nvSpPr>
+          <p:cNvPr id="10" name="Content Placeholder 9"/>
+          <p:cNvSpPr>
+            <a:spLocks noGrp="1"/>
+          </p:cNvSpPr>
+          <p:nvPr>
+            <p:ph sz="half" idx="1"/>
+          </p:nvPr>
+        </p:nvSpPr>
+        <p:spPr/>
+        <p:txBody>
+          <a:bodyPr/>
+          <a:lstStyle/>
+          <a:p>
+            <a:r>
+              <a:rPr lang="pt-BR" dirty="0" smtClean="0"/>
+              <a:t>Objetivo;</a:t>
+            </a:r>
+          </a:p>
+          <a:p>
+            <a:r>
+              <a:rPr lang="pt-BR" dirty="0" smtClean="0"/>
+              <a:t>Conceitos Básicos;</a:t>
+            </a:r>
+          </a:p>
+          <a:p>
+            <a:r>
+              <a:rPr lang="pt-BR" dirty="0" smtClean="0"/>
+              <a:t>Trabalhos Relacionados;</a:t>
+            </a:r>
+          </a:p>
+          <a:p>
+            <a:r>
+              <a:rPr lang="pt-BR" dirty="0" smtClean="0"/>
+              <a:t>Metodologia;</a:t>
+            </a:r>
+          </a:p>
+          <a:p>
+            <a:r>
+              <a:rPr lang="pt-BR" dirty="0" smtClean="0"/>
+              <a:t>Resultados;</a:t>
+            </a:r>
+          </a:p>
+          <a:p>
+            <a:r>
+              <a:rPr lang="pt-BR" dirty="0" smtClean="0"/>
+              <a:t>Conclusão.</a:t>
+            </a:r>
+            <a:endParaRPr lang="pt-BR" dirty="0"/>
+          </a:p>
+        </p:txBody>
+      </p:sp>
+      <p:sp>
+        <p:nvSpPr>
+          <p:cNvPr id="13" name="Content Placeholder 12"/>
+          <p:cNvSpPr>
+            <a:spLocks noGrp="1"/>
+          </p:cNvSpPr>
+          <p:nvPr>
+            <p:ph sz="half" idx="2"/>
+          </p:nvPr>
+        </p:nvSpPr>
+        <p:spPr/>
+        <p:txBody>
+          <a:bodyPr/>
+          <a:lstStyle/>
+          <a:p>
+            <a:endParaRPr lang="pt-BR"/>
+          </a:p>
+        </p:txBody>
+      </p:sp>
+      <p:grpSp>
+        <p:nvGrpSpPr>
+          <p:cNvPr id="11" name="Group 10"/>
+          <p:cNvGrpSpPr/>
+          <p:nvPr/>
+        </p:nvGrpSpPr>
+        <p:grpSpPr>
+          <a:xfrm>
+            <a:off x="304800" y="6013799"/>
+            <a:ext cx="2710543" cy="576000"/>
+            <a:chOff x="304800" y="6013799"/>
+            <a:chExt cx="2710543" cy="580164"/>
+          </a:xfrm>
+        </p:grpSpPr>
+        <p:pic>
+          <p:nvPicPr>
+            <p:cNvPr id="12" name="Picture 11"/>
+            <p:cNvPicPr>
+              <a:picLocks noChangeAspect="1"/>
+            </p:cNvPicPr>
+            <p:nvPr/>
+          </p:nvPicPr>
+          <p:blipFill>
+            <a:blip r:embed="rId3">
+              <a:extLst>
+                <a:ext uri="{28A0092B-C50C-407E-A947-70E740481C1C}">
+                  <a14:useLocalDpi xmlns:a14="http://schemas.microsoft.com/office/drawing/2010/main" val="0"/>
+                </a:ext>
+              </a:extLst>
+            </a:blip>
+            <a:stretch>
+              <a:fillRect/>
+            </a:stretch>
+          </p:blipFill>
+          <p:spPr>
+            <a:xfrm>
+              <a:off x="304800" y="6017963"/>
+              <a:ext cx="1396364" cy="576000"/>
+            </a:xfrm>
+            <a:prstGeom prst="rect">
+              <a:avLst/>
+            </a:prstGeom>
+          </p:spPr>
+        </p:pic>
+        <p:pic>
+          <p:nvPicPr>
+            <p:cNvPr id="14" name="Picture 13"/>
+            <p:cNvPicPr>
+              <a:picLocks noChangeAspect="1"/>
+            </p:cNvPicPr>
+            <p:nvPr/>
+          </p:nvPicPr>
+          <p:blipFill>
+            <a:blip r:embed="rId4" cstate="print">
+              <a:extLst>
+                <a:ext uri="{28A0092B-C50C-407E-A947-70E740481C1C}">
+                  <a14:useLocalDpi xmlns:a14="http://schemas.microsoft.com/office/drawing/2010/main" val="0"/>
+                </a:ext>
+              </a:extLst>
+            </a:blip>
+            <a:stretch>
+              <a:fillRect/>
+            </a:stretch>
+          </p:blipFill>
+          <p:spPr>
+            <a:xfrm>
+              <a:off x="1928551" y="6013799"/>
+              <a:ext cx="1086792" cy="576000"/>
+            </a:xfrm>
+            <a:prstGeom prst="rect">
+              <a:avLst/>
+            </a:prstGeom>
+          </p:spPr>
+        </p:pic>
+      </p:grpSp>
+    </p:spTree>
+    <p:extLst>
+      <p:ext uri="{BB962C8B-B14F-4D97-AF65-F5344CB8AC3E}">
+        <p14:creationId xmlns:p14="http://schemas.microsoft.com/office/powerpoint/2010/main" val="773679512"/>
+      </p:ext>
+    </p:extLst>
+  </p:cSld>
+  <p:clrMapOvr>
+    <a:masterClrMapping/>
+  </p:clrMapOvr>
+  <p:timing>
+    <p:tnLst>
+      <p:par>
+        <p:cTn id="1" dur="indefinite" restart="never" nodeType="tmRoot"/>
+      </p:par>
+    </p:tnLst>
+  </p:timing>
+</p:sld>
+</file>
+
+<file path=ppt/slides/slide20.xml><?xml version="1.0" encoding="utf-8"?>
 <p:sld xmlns:a="http://schemas.openxmlformats.org/drawingml/2006/main" xmlns:r="http://schemas.openxmlformats.org/officeDocument/2006/relationships" xmlns:p="http://schemas.openxmlformats.org/presentationml/2006/main">
   <p:cSld>
     <p:spTree>
@@ -11034,614 +12199,6 @@
 </p:sld>
 </file>
 
-<file path=ppt/slides/slide2.xml><?xml version="1.0" encoding="utf-8"?>
-<p:sld xmlns:a="http://schemas.openxmlformats.org/drawingml/2006/main" xmlns:r="http://schemas.openxmlformats.org/officeDocument/2006/relationships" xmlns:p="http://schemas.openxmlformats.org/presentationml/2006/main">
-  <p:cSld>
-    <p:spTree>
-      <p:nvGrpSpPr>
-        <p:cNvPr id="1" name=""/>
-        <p:cNvGrpSpPr/>
-        <p:nvPr/>
-      </p:nvGrpSpPr>
-      <p:grpSpPr>
-        <a:xfrm>
-          <a:off x="0" y="0"/>
-          <a:ext cx="0" cy="0"/>
-          <a:chOff x="0" y="0"/>
-          <a:chExt cx="0" cy="0"/>
-        </a:xfrm>
-      </p:grpSpPr>
-      <p:pic>
-        <p:nvPicPr>
-          <p:cNvPr id="4" name="Picture 3"/>
-          <p:cNvPicPr>
-            <a:picLocks noChangeAspect="1"/>
-          </p:cNvPicPr>
-          <p:nvPr/>
-        </p:nvPicPr>
-        <p:blipFill>
-          <a:blip r:embed="rId2" cstate="print">
-            <a:extLst>
-              <a:ext uri="{28A0092B-C50C-407E-A947-70E740481C1C}">
-                <a14:useLocalDpi xmlns:a14="http://schemas.microsoft.com/office/drawing/2010/main" val="0"/>
-              </a:ext>
-            </a:extLst>
-          </a:blip>
-          <a:stretch>
-            <a:fillRect/>
-          </a:stretch>
-        </p:blipFill>
-        <p:spPr>
-          <a:xfrm>
-            <a:off x="304800" y="138835"/>
-            <a:ext cx="983528" cy="983528"/>
-          </a:xfrm>
-          <a:prstGeom prst="rect">
-            <a:avLst/>
-          </a:prstGeom>
-        </p:spPr>
-      </p:pic>
-      <p:cxnSp>
-        <p:nvCxnSpPr>
-          <p:cNvPr id="8" name="Straight Connector 7"/>
-          <p:cNvCxnSpPr/>
-          <p:nvPr/>
-        </p:nvCxnSpPr>
-        <p:spPr>
-          <a:xfrm>
-            <a:off x="0" y="6677891"/>
-            <a:ext cx="12192000" cy="0"/>
-          </a:xfrm>
-          <a:prstGeom prst="line">
-            <a:avLst/>
-          </a:prstGeom>
-          <a:ln>
-            <a:solidFill>
-              <a:schemeClr val="tx1"/>
-            </a:solidFill>
-          </a:ln>
-        </p:spPr>
-        <p:style>
-          <a:lnRef idx="1">
-            <a:schemeClr val="accent1"/>
-          </a:lnRef>
-          <a:fillRef idx="0">
-            <a:schemeClr val="accent1"/>
-          </a:fillRef>
-          <a:effectRef idx="0">
-            <a:schemeClr val="accent1"/>
-          </a:effectRef>
-          <a:fontRef idx="minor">
-            <a:schemeClr val="tx1"/>
-          </a:fontRef>
-        </p:style>
-      </p:cxnSp>
-      <p:sp>
-        <p:nvSpPr>
-          <p:cNvPr id="9" name="TextBox 8"/>
-          <p:cNvSpPr txBox="1"/>
-          <p:nvPr/>
-        </p:nvSpPr>
-        <p:spPr>
-          <a:xfrm>
-            <a:off x="10668000" y="6392488"/>
-            <a:ext cx="1234633" cy="369332"/>
-          </a:xfrm>
-          <a:prstGeom prst="rect">
-            <a:avLst/>
-          </a:prstGeom>
-          <a:noFill/>
-        </p:spPr>
-        <p:txBody>
-          <a:bodyPr wrap="none" rtlCol="0">
-            <a:spAutoFit/>
-          </a:bodyPr>
-          <a:lstStyle/>
-          <a:p>
-            <a:r>
-              <a:rPr lang="pt-BR" dirty="0" smtClean="0">
-                <a:solidFill>
-                  <a:schemeClr val="bg1">
-                    <a:lumMod val="50000"/>
-                  </a:schemeClr>
-                </a:solidFill>
-              </a:rPr>
-              <a:t>CIn.ufpe.br</a:t>
-            </a:r>
-            <a:endParaRPr lang="pt-BR" dirty="0">
-              <a:solidFill>
-                <a:schemeClr val="bg1">
-                  <a:lumMod val="50000"/>
-                </a:schemeClr>
-              </a:solidFill>
-            </a:endParaRPr>
-          </a:p>
-        </p:txBody>
-      </p:sp>
-      <p:sp>
-        <p:nvSpPr>
-          <p:cNvPr id="7" name="Title 6"/>
-          <p:cNvSpPr>
-            <a:spLocks noGrp="1"/>
-          </p:cNvSpPr>
-          <p:nvPr>
-            <p:ph type="title"/>
-          </p:nvPr>
-        </p:nvSpPr>
-        <p:spPr>
-          <a:xfrm>
-            <a:off x="1791854" y="138836"/>
-            <a:ext cx="9561945" cy="983528"/>
-          </a:xfrm>
-        </p:spPr>
-        <p:txBody>
-          <a:bodyPr/>
-          <a:lstStyle/>
-          <a:p>
-            <a:r>
-              <a:rPr lang="pt-BR" b="1" dirty="0" smtClean="0">
-                <a:solidFill>
-                  <a:srgbClr val="FF182C"/>
-                </a:solidFill>
-                <a:latin typeface="Noto Sans" panose="020B0502040504020204" pitchFamily="34"/>
-                <a:ea typeface="Noto Sans" panose="020B0502040504020204" pitchFamily="34"/>
-                <a:cs typeface="Noto Sans" panose="020B0502040504020204" pitchFamily="34"/>
-              </a:rPr>
-              <a:t>Roteiro</a:t>
-            </a:r>
-            <a:endParaRPr lang="pt-BR" b="1" dirty="0">
-              <a:solidFill>
-                <a:srgbClr val="FF182C"/>
-              </a:solidFill>
-              <a:latin typeface="Noto Sans" panose="020B0502040504020204" pitchFamily="34"/>
-              <a:ea typeface="Noto Sans" panose="020B0502040504020204" pitchFamily="34"/>
-              <a:cs typeface="Noto Sans" panose="020B0502040504020204" pitchFamily="34"/>
-            </a:endParaRPr>
-          </a:p>
-        </p:txBody>
-      </p:sp>
-      <p:sp>
-        <p:nvSpPr>
-          <p:cNvPr id="10" name="Content Placeholder 9"/>
-          <p:cNvSpPr>
-            <a:spLocks noGrp="1"/>
-          </p:cNvSpPr>
-          <p:nvPr>
-            <p:ph sz="half" idx="1"/>
-          </p:nvPr>
-        </p:nvSpPr>
-        <p:spPr/>
-        <p:txBody>
-          <a:bodyPr/>
-          <a:lstStyle/>
-          <a:p>
-            <a:r>
-              <a:rPr lang="pt-BR" dirty="0" smtClean="0"/>
-              <a:t>Objetivo;</a:t>
-            </a:r>
-          </a:p>
-          <a:p>
-            <a:r>
-              <a:rPr lang="pt-BR" dirty="0" smtClean="0"/>
-              <a:t>Conceitos Básicos;</a:t>
-            </a:r>
-          </a:p>
-          <a:p>
-            <a:r>
-              <a:rPr lang="pt-BR" dirty="0" smtClean="0"/>
-              <a:t>Trabalhos Relacionados;</a:t>
-            </a:r>
-          </a:p>
-          <a:p>
-            <a:r>
-              <a:rPr lang="pt-BR" dirty="0" smtClean="0"/>
-              <a:t>Metodologia;</a:t>
-            </a:r>
-          </a:p>
-          <a:p>
-            <a:r>
-              <a:rPr lang="pt-BR" dirty="0" smtClean="0"/>
-              <a:t>Resultados;</a:t>
-            </a:r>
-          </a:p>
-          <a:p>
-            <a:r>
-              <a:rPr lang="pt-BR" dirty="0" smtClean="0"/>
-              <a:t>Conclusão.</a:t>
-            </a:r>
-            <a:endParaRPr lang="pt-BR" dirty="0"/>
-          </a:p>
-        </p:txBody>
-      </p:sp>
-      <p:sp>
-        <p:nvSpPr>
-          <p:cNvPr id="13" name="Content Placeholder 12"/>
-          <p:cNvSpPr>
-            <a:spLocks noGrp="1"/>
-          </p:cNvSpPr>
-          <p:nvPr>
-            <p:ph sz="half" idx="2"/>
-          </p:nvPr>
-        </p:nvSpPr>
-        <p:spPr/>
-        <p:txBody>
-          <a:bodyPr/>
-          <a:lstStyle/>
-          <a:p>
-            <a:endParaRPr lang="pt-BR"/>
-          </a:p>
-        </p:txBody>
-      </p:sp>
-      <p:grpSp>
-        <p:nvGrpSpPr>
-          <p:cNvPr id="11" name="Group 10"/>
-          <p:cNvGrpSpPr/>
-          <p:nvPr/>
-        </p:nvGrpSpPr>
-        <p:grpSpPr>
-          <a:xfrm>
-            <a:off x="304800" y="6013799"/>
-            <a:ext cx="2710543" cy="576000"/>
-            <a:chOff x="304800" y="6013799"/>
-            <a:chExt cx="2710543" cy="580164"/>
-          </a:xfrm>
-        </p:grpSpPr>
-        <p:pic>
-          <p:nvPicPr>
-            <p:cNvPr id="12" name="Picture 11"/>
-            <p:cNvPicPr>
-              <a:picLocks noChangeAspect="1"/>
-            </p:cNvPicPr>
-            <p:nvPr/>
-          </p:nvPicPr>
-          <p:blipFill>
-            <a:blip r:embed="rId3">
-              <a:extLst>
-                <a:ext uri="{28A0092B-C50C-407E-A947-70E740481C1C}">
-                  <a14:useLocalDpi xmlns:a14="http://schemas.microsoft.com/office/drawing/2010/main" val="0"/>
-                </a:ext>
-              </a:extLst>
-            </a:blip>
-            <a:stretch>
-              <a:fillRect/>
-            </a:stretch>
-          </p:blipFill>
-          <p:spPr>
-            <a:xfrm>
-              <a:off x="304800" y="6017963"/>
-              <a:ext cx="1396364" cy="576000"/>
-            </a:xfrm>
-            <a:prstGeom prst="rect">
-              <a:avLst/>
-            </a:prstGeom>
-          </p:spPr>
-        </p:pic>
-        <p:pic>
-          <p:nvPicPr>
-            <p:cNvPr id="14" name="Picture 13"/>
-            <p:cNvPicPr>
-              <a:picLocks noChangeAspect="1"/>
-            </p:cNvPicPr>
-            <p:nvPr/>
-          </p:nvPicPr>
-          <p:blipFill>
-            <a:blip r:embed="rId4" cstate="print">
-              <a:extLst>
-                <a:ext uri="{28A0092B-C50C-407E-A947-70E740481C1C}">
-                  <a14:useLocalDpi xmlns:a14="http://schemas.microsoft.com/office/drawing/2010/main" val="0"/>
-                </a:ext>
-              </a:extLst>
-            </a:blip>
-            <a:stretch>
-              <a:fillRect/>
-            </a:stretch>
-          </p:blipFill>
-          <p:spPr>
-            <a:xfrm>
-              <a:off x="1928551" y="6013799"/>
-              <a:ext cx="1086792" cy="576000"/>
-            </a:xfrm>
-            <a:prstGeom prst="rect">
-              <a:avLst/>
-            </a:prstGeom>
-          </p:spPr>
-        </p:pic>
-      </p:grpSp>
-    </p:spTree>
-    <p:extLst>
-      <p:ext uri="{BB962C8B-B14F-4D97-AF65-F5344CB8AC3E}">
-        <p14:creationId xmlns:p14="http://schemas.microsoft.com/office/powerpoint/2010/main" val="773679512"/>
-      </p:ext>
-    </p:extLst>
-  </p:cSld>
-  <p:clrMapOvr>
-    <a:masterClrMapping/>
-  </p:clrMapOvr>
-  <p:timing>
-    <p:tnLst>
-      <p:par>
-        <p:cTn id="1" dur="indefinite" restart="never" nodeType="tmRoot"/>
-      </p:par>
-    </p:tnLst>
-  </p:timing>
-</p:sld>
-</file>
-
-<file path=ppt/slides/slide20.xml><?xml version="1.0" encoding="utf-8"?>
-<p:sld xmlns:a="http://schemas.openxmlformats.org/drawingml/2006/main" xmlns:r="http://schemas.openxmlformats.org/officeDocument/2006/relationships" xmlns:p="http://schemas.openxmlformats.org/presentationml/2006/main">
-  <p:cSld>
-    <p:spTree>
-      <p:nvGrpSpPr>
-        <p:cNvPr id="1" name=""/>
-        <p:cNvGrpSpPr/>
-        <p:nvPr/>
-      </p:nvGrpSpPr>
-      <p:grpSpPr>
-        <a:xfrm>
-          <a:off x="0" y="0"/>
-          <a:ext cx="0" cy="0"/>
-          <a:chOff x="0" y="0"/>
-          <a:chExt cx="0" cy="0"/>
-        </a:xfrm>
-      </p:grpSpPr>
-      <p:pic>
-        <p:nvPicPr>
-          <p:cNvPr id="4" name="Picture 3"/>
-          <p:cNvPicPr>
-            <a:picLocks noChangeAspect="1"/>
-          </p:cNvPicPr>
-          <p:nvPr/>
-        </p:nvPicPr>
-        <p:blipFill>
-          <a:blip r:embed="rId2" cstate="print">
-            <a:extLst>
-              <a:ext uri="{28A0092B-C50C-407E-A947-70E740481C1C}">
-                <a14:useLocalDpi xmlns:a14="http://schemas.microsoft.com/office/drawing/2010/main" val="0"/>
-              </a:ext>
-            </a:extLst>
-          </a:blip>
-          <a:stretch>
-            <a:fillRect/>
-          </a:stretch>
-        </p:blipFill>
-        <p:spPr>
-          <a:xfrm>
-            <a:off x="304800" y="138835"/>
-            <a:ext cx="983528" cy="983528"/>
-          </a:xfrm>
-          <a:prstGeom prst="rect">
-            <a:avLst/>
-          </a:prstGeom>
-        </p:spPr>
-      </p:pic>
-      <p:cxnSp>
-        <p:nvCxnSpPr>
-          <p:cNvPr id="8" name="Straight Connector 7"/>
-          <p:cNvCxnSpPr/>
-          <p:nvPr/>
-        </p:nvCxnSpPr>
-        <p:spPr>
-          <a:xfrm>
-            <a:off x="0" y="6677891"/>
-            <a:ext cx="12192000" cy="0"/>
-          </a:xfrm>
-          <a:prstGeom prst="line">
-            <a:avLst/>
-          </a:prstGeom>
-          <a:ln>
-            <a:solidFill>
-              <a:schemeClr val="tx1"/>
-            </a:solidFill>
-          </a:ln>
-        </p:spPr>
-        <p:style>
-          <a:lnRef idx="1">
-            <a:schemeClr val="accent1"/>
-          </a:lnRef>
-          <a:fillRef idx="0">
-            <a:schemeClr val="accent1"/>
-          </a:fillRef>
-          <a:effectRef idx="0">
-            <a:schemeClr val="accent1"/>
-          </a:effectRef>
-          <a:fontRef idx="minor">
-            <a:schemeClr val="tx1"/>
-          </a:fontRef>
-        </p:style>
-      </p:cxnSp>
-      <p:sp>
-        <p:nvSpPr>
-          <p:cNvPr id="9" name="TextBox 8"/>
-          <p:cNvSpPr txBox="1"/>
-          <p:nvPr/>
-        </p:nvSpPr>
-        <p:spPr>
-          <a:xfrm>
-            <a:off x="10668000" y="6392488"/>
-            <a:ext cx="1234633" cy="369332"/>
-          </a:xfrm>
-          <a:prstGeom prst="rect">
-            <a:avLst/>
-          </a:prstGeom>
-          <a:noFill/>
-        </p:spPr>
-        <p:txBody>
-          <a:bodyPr wrap="none" rtlCol="0">
-            <a:spAutoFit/>
-          </a:bodyPr>
-          <a:lstStyle/>
-          <a:p>
-            <a:r>
-              <a:rPr lang="pt-BR" dirty="0" smtClean="0">
-                <a:solidFill>
-                  <a:schemeClr val="bg1">
-                    <a:lumMod val="50000"/>
-                  </a:schemeClr>
-                </a:solidFill>
-              </a:rPr>
-              <a:t>CIn.ufpe.br</a:t>
-            </a:r>
-            <a:endParaRPr lang="pt-BR" dirty="0">
-              <a:solidFill>
-                <a:schemeClr val="bg1">
-                  <a:lumMod val="50000"/>
-                </a:schemeClr>
-              </a:solidFill>
-            </a:endParaRPr>
-          </a:p>
-        </p:txBody>
-      </p:sp>
-      <p:sp>
-        <p:nvSpPr>
-          <p:cNvPr id="5" name="Title 4"/>
-          <p:cNvSpPr>
-            <a:spLocks noGrp="1"/>
-          </p:cNvSpPr>
-          <p:nvPr>
-            <p:ph type="title"/>
-          </p:nvPr>
-        </p:nvSpPr>
-        <p:spPr/>
-        <p:txBody>
-          <a:bodyPr/>
-          <a:lstStyle/>
-          <a:p>
-            <a:r>
-              <a:rPr lang="pt-BR" b="1" dirty="0" smtClean="0">
-                <a:solidFill>
-                  <a:srgbClr val="FF182C"/>
-                </a:solidFill>
-                <a:latin typeface="Noto Sans" panose="020B0502040504020204" pitchFamily="34"/>
-                <a:ea typeface="Noto Sans" panose="020B0502040504020204" pitchFamily="34"/>
-                <a:cs typeface="Noto Sans" panose="020B0502040504020204" pitchFamily="34"/>
-              </a:rPr>
-              <a:t>Resultados</a:t>
-            </a:r>
-            <a:endParaRPr lang="pt-BR" b="1" dirty="0">
-              <a:solidFill>
-                <a:srgbClr val="FF182C"/>
-              </a:solidFill>
-              <a:latin typeface="Noto Sans" panose="020B0502040504020204" pitchFamily="34"/>
-              <a:ea typeface="Noto Sans" panose="020B0502040504020204" pitchFamily="34"/>
-              <a:cs typeface="Noto Sans" panose="020B0502040504020204" pitchFamily="34"/>
-            </a:endParaRPr>
-          </a:p>
-        </p:txBody>
-      </p:sp>
-      <p:sp>
-        <p:nvSpPr>
-          <p:cNvPr id="6" name="Text Placeholder 5"/>
-          <p:cNvSpPr>
-            <a:spLocks noGrp="1"/>
-          </p:cNvSpPr>
-          <p:nvPr>
-            <p:ph type="body" idx="1"/>
-          </p:nvPr>
-        </p:nvSpPr>
-        <p:spPr/>
-        <p:txBody>
-          <a:bodyPr/>
-          <a:lstStyle/>
-          <a:p>
-            <a:endParaRPr lang="pt-BR" dirty="0"/>
-          </a:p>
-        </p:txBody>
-      </p:sp>
-      <p:grpSp>
-        <p:nvGrpSpPr>
-          <p:cNvPr id="7" name="Group 6"/>
-          <p:cNvGrpSpPr/>
-          <p:nvPr/>
-        </p:nvGrpSpPr>
-        <p:grpSpPr>
-          <a:xfrm>
-            <a:off x="304800" y="6013799"/>
-            <a:ext cx="2710543" cy="576000"/>
-            <a:chOff x="304800" y="6013799"/>
-            <a:chExt cx="2710543" cy="580164"/>
-          </a:xfrm>
-        </p:grpSpPr>
-        <p:pic>
-          <p:nvPicPr>
-            <p:cNvPr id="10" name="Picture 9"/>
-            <p:cNvPicPr>
-              <a:picLocks noChangeAspect="1"/>
-            </p:cNvPicPr>
-            <p:nvPr/>
-          </p:nvPicPr>
-          <p:blipFill>
-            <a:blip r:embed="rId3">
-              <a:extLst>
-                <a:ext uri="{28A0092B-C50C-407E-A947-70E740481C1C}">
-                  <a14:useLocalDpi xmlns:a14="http://schemas.microsoft.com/office/drawing/2010/main" val="0"/>
-                </a:ext>
-              </a:extLst>
-            </a:blip>
-            <a:stretch>
-              <a:fillRect/>
-            </a:stretch>
-          </p:blipFill>
-          <p:spPr>
-            <a:xfrm>
-              <a:off x="304800" y="6017963"/>
-              <a:ext cx="1396364" cy="576000"/>
-            </a:xfrm>
-            <a:prstGeom prst="rect">
-              <a:avLst/>
-            </a:prstGeom>
-          </p:spPr>
-        </p:pic>
-        <p:pic>
-          <p:nvPicPr>
-            <p:cNvPr id="11" name="Picture 10"/>
-            <p:cNvPicPr>
-              <a:picLocks noChangeAspect="1"/>
-            </p:cNvPicPr>
-            <p:nvPr/>
-          </p:nvPicPr>
-          <p:blipFill>
-            <a:blip r:embed="rId4" cstate="print">
-              <a:extLst>
-                <a:ext uri="{28A0092B-C50C-407E-A947-70E740481C1C}">
-                  <a14:useLocalDpi xmlns:a14="http://schemas.microsoft.com/office/drawing/2010/main" val="0"/>
-                </a:ext>
-              </a:extLst>
-            </a:blip>
-            <a:stretch>
-              <a:fillRect/>
-            </a:stretch>
-          </p:blipFill>
-          <p:spPr>
-            <a:xfrm>
-              <a:off x="1928551" y="6013799"/>
-              <a:ext cx="1086792" cy="576000"/>
-            </a:xfrm>
-            <a:prstGeom prst="rect">
-              <a:avLst/>
-            </a:prstGeom>
-          </p:spPr>
-        </p:pic>
-      </p:grpSp>
-    </p:spTree>
-    <p:extLst>
-      <p:ext uri="{BB962C8B-B14F-4D97-AF65-F5344CB8AC3E}">
-        <p14:creationId xmlns:p14="http://schemas.microsoft.com/office/powerpoint/2010/main" val="3860514808"/>
-      </p:ext>
-    </p:extLst>
-  </p:cSld>
-  <p:clrMapOvr>
-    <a:masterClrMapping/>
-  </p:clrMapOvr>
-  <p:timing>
-    <p:tnLst>
-      <p:par>
-        <p:cTn id="1" dur="indefinite" restart="never" nodeType="tmRoot"/>
-      </p:par>
-    </p:tnLst>
-  </p:timing>
-</p:sld>
-</file>
-
 <file path=ppt/slides/slide21.xml><?xml version="1.0" encoding="utf-8"?>
 <p:sld xmlns:a="http://schemas.openxmlformats.org/drawingml/2006/main" xmlns:r="http://schemas.openxmlformats.org/officeDocument/2006/relationships" xmlns:p="http://schemas.openxmlformats.org/presentationml/2006/main">
   <p:cSld>
@@ -11768,7 +12325,7 @@
       </p:sp>
       <p:sp>
         <p:nvSpPr>
-          <p:cNvPr id="7" name="Title 6"/>
+          <p:cNvPr id="5" name="Title 4"/>
           <p:cNvSpPr>
             <a:spLocks noGrp="1"/>
           </p:cNvSpPr>
@@ -11776,12 +12333,7 @@
             <p:ph type="title"/>
           </p:nvPr>
         </p:nvSpPr>
-        <p:spPr>
-          <a:xfrm>
-            <a:off x="1791854" y="138836"/>
-            <a:ext cx="9561945" cy="983528"/>
-          </a:xfrm>
-        </p:spPr>
+        <p:spPr/>
         <p:txBody>
           <a:bodyPr/>
           <a:lstStyle/>
@@ -11795,7 +12347,7 @@
                 <a:ea typeface="Noto Sans" panose="020B0502040504020204" pitchFamily="34"/>
                 <a:cs typeface="Noto Sans" panose="020B0502040504020204" pitchFamily="34"/>
               </a:rPr>
-              <a:t>Análise Comparativa</a:t>
+              <a:t>Resultados</a:t>
             </a:r>
             <a:endParaRPr lang="pt-BR" b="1" dirty="0">
               <a:solidFill>
@@ -11810,129 +12362,26 @@
       </p:sp>
       <p:sp>
         <p:nvSpPr>
-          <p:cNvPr id="2" name="Content Placeholder 1"/>
+          <p:cNvPr id="6" name="Text Placeholder 5"/>
           <p:cNvSpPr>
             <a:spLocks noGrp="1"/>
           </p:cNvSpPr>
           <p:nvPr>
-            <p:ph sz="half" idx="1"/>
+            <p:ph type="body" idx="1"/>
           </p:nvPr>
         </p:nvSpPr>
-        <p:spPr>
-          <a:xfrm>
-            <a:off x="838199" y="1825625"/>
-            <a:ext cx="10824411" cy="4351338"/>
-          </a:xfrm>
-        </p:spPr>
+        <p:spPr/>
         <p:txBody>
-          <a:bodyPr>
-            <a:normAutofit/>
-          </a:bodyPr>
+          <a:bodyPr/>
           <a:lstStyle/>
           <a:p>
-            <a:pPr algn="just"/>
-            <a:r>
-              <a:rPr lang="pt-BR" dirty="0" smtClean="0"/>
-              <a:t>Erro de predição de distância (em metros</a:t>
-            </a:r>
-            <a:r>
-              <a:rPr lang="pt-BR" dirty="0" smtClean="0"/>
-              <a:t>).</a:t>
-            </a:r>
-          </a:p>
-          <a:p>
-            <a:pPr lvl="1" algn="just">
-              <a:buFont typeface="Wingdings" panose="05000000000000000000" pitchFamily="2" charset="2"/>
-              <a:buChar char="Ø"/>
-            </a:pPr>
-            <a:r>
-              <a:rPr lang="pt-BR" dirty="0" smtClean="0"/>
-              <a:t>Ambiente Outdoor;</a:t>
-            </a:r>
-          </a:p>
-          <a:p>
-            <a:pPr lvl="1" algn="just">
-              <a:buFont typeface="Wingdings" panose="05000000000000000000" pitchFamily="2" charset="2"/>
-              <a:buChar char="Ø"/>
-            </a:pPr>
-            <a:r>
-              <a:rPr lang="pt-BR" dirty="0" smtClean="0"/>
-              <a:t>Ambiente Indoor;</a:t>
-            </a:r>
-          </a:p>
-          <a:p>
-            <a:pPr lvl="1" algn="just">
-              <a:buFont typeface="Wingdings" panose="05000000000000000000" pitchFamily="2" charset="2"/>
-              <a:buChar char="Ø"/>
-            </a:pPr>
-            <a:r>
-              <a:rPr lang="pt-BR" dirty="0" smtClean="0"/>
-              <a:t>Ambiente Indoor-Outdoor.</a:t>
-            </a:r>
-            <a:endParaRPr lang="pt-BR" dirty="0" smtClean="0"/>
-          </a:p>
-          <a:p>
-            <a:pPr marL="0" indent="0" algn="just">
-              <a:buNone/>
-            </a:pPr>
-            <a:endParaRPr lang="pt-BR" dirty="0" smtClean="0"/>
-          </a:p>
-          <a:p>
-            <a:pPr algn="just"/>
-            <a:r>
-              <a:rPr lang="pt-BR" dirty="0" smtClean="0"/>
-              <a:t>Custo computacional</a:t>
-            </a:r>
-          </a:p>
-          <a:p>
-            <a:pPr lvl="1" algn="just">
-              <a:buFont typeface="Wingdings" panose="05000000000000000000" pitchFamily="2" charset="2"/>
-              <a:buChar char="Ø"/>
-            </a:pPr>
-            <a:r>
-              <a:rPr lang="pt-BR" dirty="0"/>
-              <a:t> </a:t>
-            </a:r>
-            <a:r>
-              <a:rPr lang="pt-BR" dirty="0" smtClean="0"/>
-              <a:t> Tempo de treinamento;</a:t>
-            </a:r>
-          </a:p>
-          <a:p>
-            <a:pPr lvl="1" algn="just">
-              <a:buFont typeface="Wingdings" panose="05000000000000000000" pitchFamily="2" charset="2"/>
-              <a:buChar char="Ø"/>
-            </a:pPr>
-            <a:r>
-              <a:rPr lang="pt-BR" dirty="0" smtClean="0"/>
-              <a:t>  Tempo de busca;</a:t>
-            </a:r>
-          </a:p>
-          <a:p>
-            <a:pPr lvl="1" algn="just">
-              <a:buFont typeface="Wingdings" panose="05000000000000000000" pitchFamily="2" charset="2"/>
-              <a:buChar char="Ø"/>
-            </a:pPr>
-            <a:r>
-              <a:rPr lang="pt-BR" dirty="0"/>
-              <a:t> </a:t>
-            </a:r>
-            <a:r>
-              <a:rPr lang="pt-BR" dirty="0" smtClean="0"/>
-              <a:t> Ápice do consumo de memória.</a:t>
-            </a:r>
-          </a:p>
-          <a:p>
-            <a:pPr marL="0" indent="0" algn="just">
-              <a:buNone/>
-            </a:pPr>
             <a:endParaRPr lang="pt-BR" dirty="0"/>
           </a:p>
         </p:txBody>
       </p:sp>
       <p:grpSp>
         <p:nvGrpSpPr>
-          <p:cNvPr id="10" name="Group 9"/>
+          <p:cNvPr id="7" name="Group 6"/>
           <p:cNvGrpSpPr/>
           <p:nvPr/>
         </p:nvGrpSpPr>
@@ -11946,7 +12395,7 @@
         </p:grpSpPr>
         <p:pic>
           <p:nvPicPr>
-            <p:cNvPr id="11" name="Picture 10"/>
+            <p:cNvPr id="10" name="Picture 9"/>
             <p:cNvPicPr>
               <a:picLocks noChangeAspect="1"/>
             </p:cNvPicPr>
@@ -11976,7 +12425,7 @@
         </p:pic>
         <p:pic>
           <p:nvPicPr>
-            <p:cNvPr id="12" name="Picture 11"/>
+            <p:cNvPr id="11" name="Picture 10"/>
             <p:cNvPicPr>
               <a:picLocks noChangeAspect="1"/>
             </p:cNvPicPr>
@@ -12008,7 +12457,7 @@
     </p:spTree>
     <p:extLst>
       <p:ext uri="{BB962C8B-B14F-4D97-AF65-F5344CB8AC3E}">
-        <p14:creationId xmlns:p14="http://schemas.microsoft.com/office/powerpoint/2010/main" val="1976451720"/>
+        <p14:creationId xmlns:p14="http://schemas.microsoft.com/office/powerpoint/2010/main" val="3860514808"/>
       </p:ext>
     </p:extLst>
   </p:cSld>
@@ -12178,6 +12627,384 @@
                 <a:ea typeface="Noto Sans" panose="020B0502040504020204" pitchFamily="34"/>
                 <a:cs typeface="Noto Sans" panose="020B0502040504020204" pitchFamily="34"/>
               </a:rPr>
+              <a:t>Análise Comparativa</a:t>
+            </a:r>
+            <a:endParaRPr lang="pt-BR" b="1" dirty="0">
+              <a:solidFill>
+                <a:srgbClr val="FF182C"/>
+              </a:solidFill>
+              <a:latin typeface="Noto Sans" panose="020B0502040504020204" pitchFamily="34"/>
+              <a:ea typeface="Noto Sans" panose="020B0502040504020204" pitchFamily="34"/>
+              <a:cs typeface="Noto Sans" panose="020B0502040504020204" pitchFamily="34"/>
+            </a:endParaRPr>
+          </a:p>
+        </p:txBody>
+      </p:sp>
+      <p:sp>
+        <p:nvSpPr>
+          <p:cNvPr id="2" name="Content Placeholder 1"/>
+          <p:cNvSpPr>
+            <a:spLocks noGrp="1"/>
+          </p:cNvSpPr>
+          <p:nvPr>
+            <p:ph sz="half" idx="1"/>
+          </p:nvPr>
+        </p:nvSpPr>
+        <p:spPr>
+          <a:xfrm>
+            <a:off x="838199" y="1825625"/>
+            <a:ext cx="10824411" cy="4351338"/>
+          </a:xfrm>
+        </p:spPr>
+        <p:txBody>
+          <a:bodyPr>
+            <a:normAutofit/>
+          </a:bodyPr>
+          <a:lstStyle/>
+          <a:p>
+            <a:pPr algn="just"/>
+            <a:r>
+              <a:rPr lang="pt-BR" dirty="0" smtClean="0"/>
+              <a:t>Erro de predição de distância (em metros).</a:t>
+            </a:r>
+          </a:p>
+          <a:p>
+            <a:pPr lvl="1" algn="just">
+              <a:buFont typeface="Wingdings" panose="05000000000000000000" pitchFamily="2" charset="2"/>
+              <a:buChar char="Ø"/>
+            </a:pPr>
+            <a:r>
+              <a:rPr lang="pt-BR" dirty="0" smtClean="0"/>
+              <a:t>Ambiente Outdoor;</a:t>
+            </a:r>
+          </a:p>
+          <a:p>
+            <a:pPr lvl="1" algn="just">
+              <a:buFont typeface="Wingdings" panose="05000000000000000000" pitchFamily="2" charset="2"/>
+              <a:buChar char="Ø"/>
+            </a:pPr>
+            <a:r>
+              <a:rPr lang="pt-BR" dirty="0" smtClean="0"/>
+              <a:t>Ambiente Indoor;</a:t>
+            </a:r>
+          </a:p>
+          <a:p>
+            <a:pPr lvl="1" algn="just">
+              <a:buFont typeface="Wingdings" panose="05000000000000000000" pitchFamily="2" charset="2"/>
+              <a:buChar char="Ø"/>
+            </a:pPr>
+            <a:r>
+              <a:rPr lang="pt-BR" dirty="0" smtClean="0"/>
+              <a:t>Ambiente Indoor-Outdoor.</a:t>
+            </a:r>
+          </a:p>
+          <a:p>
+            <a:pPr marL="0" indent="0" algn="just">
+              <a:buNone/>
+            </a:pPr>
+            <a:endParaRPr lang="pt-BR" dirty="0" smtClean="0"/>
+          </a:p>
+          <a:p>
+            <a:pPr algn="just"/>
+            <a:r>
+              <a:rPr lang="pt-BR" dirty="0" smtClean="0"/>
+              <a:t>Custo computacional</a:t>
+            </a:r>
+          </a:p>
+          <a:p>
+            <a:pPr lvl="1" algn="just">
+              <a:buFont typeface="Wingdings" panose="05000000000000000000" pitchFamily="2" charset="2"/>
+              <a:buChar char="Ø"/>
+            </a:pPr>
+            <a:r>
+              <a:rPr lang="pt-BR" dirty="0"/>
+              <a:t> </a:t>
+            </a:r>
+            <a:r>
+              <a:rPr lang="pt-BR" dirty="0" smtClean="0"/>
+              <a:t> Tempo de treinamento;</a:t>
+            </a:r>
+          </a:p>
+          <a:p>
+            <a:pPr lvl="1" algn="just">
+              <a:buFont typeface="Wingdings" panose="05000000000000000000" pitchFamily="2" charset="2"/>
+              <a:buChar char="Ø"/>
+            </a:pPr>
+            <a:r>
+              <a:rPr lang="pt-BR" dirty="0" smtClean="0"/>
+              <a:t>  Tempo de busca;</a:t>
+            </a:r>
+          </a:p>
+          <a:p>
+            <a:pPr lvl="1" algn="just">
+              <a:buFont typeface="Wingdings" panose="05000000000000000000" pitchFamily="2" charset="2"/>
+              <a:buChar char="Ø"/>
+            </a:pPr>
+            <a:r>
+              <a:rPr lang="pt-BR" dirty="0"/>
+              <a:t> </a:t>
+            </a:r>
+            <a:r>
+              <a:rPr lang="pt-BR" dirty="0" smtClean="0"/>
+              <a:t> Ápice do consumo de memória.</a:t>
+            </a:r>
+          </a:p>
+          <a:p>
+            <a:pPr marL="0" indent="0" algn="just">
+              <a:buNone/>
+            </a:pPr>
+            <a:endParaRPr lang="pt-BR" dirty="0"/>
+          </a:p>
+        </p:txBody>
+      </p:sp>
+      <p:grpSp>
+        <p:nvGrpSpPr>
+          <p:cNvPr id="10" name="Group 9"/>
+          <p:cNvGrpSpPr/>
+          <p:nvPr/>
+        </p:nvGrpSpPr>
+        <p:grpSpPr>
+          <a:xfrm>
+            <a:off x="304800" y="6013799"/>
+            <a:ext cx="2710543" cy="576000"/>
+            <a:chOff x="304800" y="6013799"/>
+            <a:chExt cx="2710543" cy="580164"/>
+          </a:xfrm>
+        </p:grpSpPr>
+        <p:pic>
+          <p:nvPicPr>
+            <p:cNvPr id="11" name="Picture 10"/>
+            <p:cNvPicPr>
+              <a:picLocks noChangeAspect="1"/>
+            </p:cNvPicPr>
+            <p:nvPr/>
+          </p:nvPicPr>
+          <p:blipFill>
+            <a:blip r:embed="rId3">
+              <a:extLst>
+                <a:ext uri="{28A0092B-C50C-407E-A947-70E740481C1C}">
+                  <a14:useLocalDpi xmlns:a14="http://schemas.microsoft.com/office/drawing/2010/main" val="0"/>
+                </a:ext>
+              </a:extLst>
+            </a:blip>
+            <a:stretch>
+              <a:fillRect/>
+            </a:stretch>
+          </p:blipFill>
+          <p:spPr>
+            <a:xfrm>
+              <a:off x="304800" y="6017963"/>
+              <a:ext cx="1396364" cy="576000"/>
+            </a:xfrm>
+            <a:prstGeom prst="rect">
+              <a:avLst/>
+            </a:prstGeom>
+          </p:spPr>
+        </p:pic>
+        <p:pic>
+          <p:nvPicPr>
+            <p:cNvPr id="12" name="Picture 11"/>
+            <p:cNvPicPr>
+              <a:picLocks noChangeAspect="1"/>
+            </p:cNvPicPr>
+            <p:nvPr/>
+          </p:nvPicPr>
+          <p:blipFill>
+            <a:blip r:embed="rId4" cstate="print">
+              <a:extLst>
+                <a:ext uri="{28A0092B-C50C-407E-A947-70E740481C1C}">
+                  <a14:useLocalDpi xmlns:a14="http://schemas.microsoft.com/office/drawing/2010/main" val="0"/>
+                </a:ext>
+              </a:extLst>
+            </a:blip>
+            <a:stretch>
+              <a:fillRect/>
+            </a:stretch>
+          </p:blipFill>
+          <p:spPr>
+            <a:xfrm>
+              <a:off x="1928551" y="6013799"/>
+              <a:ext cx="1086792" cy="576000"/>
+            </a:xfrm>
+            <a:prstGeom prst="rect">
+              <a:avLst/>
+            </a:prstGeom>
+          </p:spPr>
+        </p:pic>
+      </p:grpSp>
+    </p:spTree>
+    <p:extLst>
+      <p:ext uri="{BB962C8B-B14F-4D97-AF65-F5344CB8AC3E}">
+        <p14:creationId xmlns:p14="http://schemas.microsoft.com/office/powerpoint/2010/main" val="1976451720"/>
+      </p:ext>
+    </p:extLst>
+  </p:cSld>
+  <p:clrMapOvr>
+    <a:masterClrMapping/>
+  </p:clrMapOvr>
+  <p:timing>
+    <p:tnLst>
+      <p:par>
+        <p:cTn id="1" dur="indefinite" restart="never" nodeType="tmRoot"/>
+      </p:par>
+    </p:tnLst>
+  </p:timing>
+</p:sld>
+</file>
+
+<file path=ppt/slides/slide23.xml><?xml version="1.0" encoding="utf-8"?>
+<p:sld xmlns:a="http://schemas.openxmlformats.org/drawingml/2006/main" xmlns:r="http://schemas.openxmlformats.org/officeDocument/2006/relationships" xmlns:p="http://schemas.openxmlformats.org/presentationml/2006/main">
+  <p:cSld>
+    <p:spTree>
+      <p:nvGrpSpPr>
+        <p:cNvPr id="1" name=""/>
+        <p:cNvGrpSpPr/>
+        <p:nvPr/>
+      </p:nvGrpSpPr>
+      <p:grpSpPr>
+        <a:xfrm>
+          <a:off x="0" y="0"/>
+          <a:ext cx="0" cy="0"/>
+          <a:chOff x="0" y="0"/>
+          <a:chExt cx="0" cy="0"/>
+        </a:xfrm>
+      </p:grpSpPr>
+      <p:pic>
+        <p:nvPicPr>
+          <p:cNvPr id="4" name="Picture 3"/>
+          <p:cNvPicPr>
+            <a:picLocks noChangeAspect="1"/>
+          </p:cNvPicPr>
+          <p:nvPr/>
+        </p:nvPicPr>
+        <p:blipFill>
+          <a:blip r:embed="rId2" cstate="print">
+            <a:extLst>
+              <a:ext uri="{28A0092B-C50C-407E-A947-70E740481C1C}">
+                <a14:useLocalDpi xmlns:a14="http://schemas.microsoft.com/office/drawing/2010/main" val="0"/>
+              </a:ext>
+            </a:extLst>
+          </a:blip>
+          <a:stretch>
+            <a:fillRect/>
+          </a:stretch>
+        </p:blipFill>
+        <p:spPr>
+          <a:xfrm>
+            <a:off x="304800" y="138835"/>
+            <a:ext cx="983528" cy="983528"/>
+          </a:xfrm>
+          <a:prstGeom prst="rect">
+            <a:avLst/>
+          </a:prstGeom>
+        </p:spPr>
+      </p:pic>
+      <p:cxnSp>
+        <p:nvCxnSpPr>
+          <p:cNvPr id="8" name="Straight Connector 7"/>
+          <p:cNvCxnSpPr/>
+          <p:nvPr/>
+        </p:nvCxnSpPr>
+        <p:spPr>
+          <a:xfrm>
+            <a:off x="0" y="6677891"/>
+            <a:ext cx="12192000" cy="0"/>
+          </a:xfrm>
+          <a:prstGeom prst="line">
+            <a:avLst/>
+          </a:prstGeom>
+          <a:ln>
+            <a:solidFill>
+              <a:schemeClr val="tx1"/>
+            </a:solidFill>
+          </a:ln>
+        </p:spPr>
+        <p:style>
+          <a:lnRef idx="1">
+            <a:schemeClr val="accent1"/>
+          </a:lnRef>
+          <a:fillRef idx="0">
+            <a:schemeClr val="accent1"/>
+          </a:fillRef>
+          <a:effectRef idx="0">
+            <a:schemeClr val="accent1"/>
+          </a:effectRef>
+          <a:fontRef idx="minor">
+            <a:schemeClr val="tx1"/>
+          </a:fontRef>
+        </p:style>
+      </p:cxnSp>
+      <p:sp>
+        <p:nvSpPr>
+          <p:cNvPr id="9" name="TextBox 8"/>
+          <p:cNvSpPr txBox="1"/>
+          <p:nvPr/>
+        </p:nvSpPr>
+        <p:spPr>
+          <a:xfrm>
+            <a:off x="10668000" y="6392488"/>
+            <a:ext cx="1234633" cy="369332"/>
+          </a:xfrm>
+          <a:prstGeom prst="rect">
+            <a:avLst/>
+          </a:prstGeom>
+          <a:noFill/>
+        </p:spPr>
+        <p:txBody>
+          <a:bodyPr wrap="none" rtlCol="0">
+            <a:spAutoFit/>
+          </a:bodyPr>
+          <a:lstStyle/>
+          <a:p>
+            <a:r>
+              <a:rPr lang="pt-BR" dirty="0" smtClean="0">
+                <a:solidFill>
+                  <a:schemeClr val="bg1">
+                    <a:lumMod val="50000"/>
+                  </a:schemeClr>
+                </a:solidFill>
+              </a:rPr>
+              <a:t>CIn.ufpe.br</a:t>
+            </a:r>
+            <a:endParaRPr lang="pt-BR" dirty="0">
+              <a:solidFill>
+                <a:schemeClr val="bg1">
+                  <a:lumMod val="50000"/>
+                </a:schemeClr>
+              </a:solidFill>
+            </a:endParaRPr>
+          </a:p>
+        </p:txBody>
+      </p:sp>
+      <p:sp>
+        <p:nvSpPr>
+          <p:cNvPr id="7" name="Title 6"/>
+          <p:cNvSpPr>
+            <a:spLocks noGrp="1"/>
+          </p:cNvSpPr>
+          <p:nvPr>
+            <p:ph type="title"/>
+          </p:nvPr>
+        </p:nvSpPr>
+        <p:spPr>
+          <a:xfrm>
+            <a:off x="1791854" y="138836"/>
+            <a:ext cx="9561945" cy="983528"/>
+          </a:xfrm>
+        </p:spPr>
+        <p:txBody>
+          <a:bodyPr/>
+          <a:lstStyle/>
+          <a:p>
+            <a:r>
+              <a:rPr lang="pt-BR" b="1" dirty="0" smtClean="0">
+                <a:solidFill>
+                  <a:srgbClr val="FF182C"/>
+                </a:solidFill>
+                <a:latin typeface="Noto Sans" panose="020B0502040504020204" pitchFamily="34"/>
+                <a:ea typeface="Noto Sans" panose="020B0502040504020204" pitchFamily="34"/>
+                <a:cs typeface="Noto Sans" panose="020B0502040504020204" pitchFamily="34"/>
+              </a:rPr>
               <a:t>Erro de Predição de Distância</a:t>
             </a:r>
             <a:endParaRPr lang="pt-BR" b="1" dirty="0">
@@ -12214,11 +13041,7 @@
             <a:pPr algn="just"/>
             <a:r>
               <a:rPr lang="pt-BR" dirty="0" smtClean="0"/>
-              <a:t>Fase de teste com 1.200 medições e 3 ambientes analisados</a:t>
-            </a:r>
-            <a:r>
-              <a:rPr lang="pt-BR" dirty="0" smtClean="0"/>
-              <a:t>.</a:t>
+              <a:t>Fase de teste com 1.200 medições e 3 ambientes analisados.</a:t>
             </a:r>
           </a:p>
           <a:p>
@@ -12250,7 +13073,6 @@
               <a:rPr lang="pt-BR" dirty="0" smtClean="0"/>
               <a:t>.</a:t>
             </a:r>
-            <a:endParaRPr lang="pt-BR" dirty="0" smtClean="0"/>
           </a:p>
           <a:p>
             <a:pPr lvl="1" algn="just"/>
@@ -12258,8 +13080,8 @@
           </a:p>
         </p:txBody>
       </p:sp>
-      <mc:AlternateContent xmlns:mc="http://schemas.openxmlformats.org/markup-compatibility/2006">
-        <mc:Choice xmlns:a14="http://schemas.microsoft.com/office/drawing/2010/main" Requires="a14">
+      <mc:AlternateContent xmlns:mc="http://schemas.openxmlformats.org/markup-compatibility/2006" xmlns:a14="http://schemas.microsoft.com/office/drawing/2010/main">
+        <mc:Choice Requires="a14">
           <p:graphicFrame>
             <p:nvGraphicFramePr>
               <p:cNvPr id="3" name="Table 2"/>
@@ -15204,7 +16026,7 @@
             </a:graphic>
           </p:graphicFrame>
         </mc:Choice>
-        <mc:Fallback>
+        <mc:Fallback xmlns="">
           <p:graphicFrame>
             <p:nvGraphicFramePr>
               <p:cNvPr id="3" name="Table 2"/>
@@ -18306,7 +19128,7 @@
 </p:sld>
 </file>
 
-<file path=ppt/slides/slide23.xml><?xml version="1.0" encoding="utf-8"?>
+<file path=ppt/slides/slide24.xml><?xml version="1.0" encoding="utf-8"?>
 <p:sld xmlns:a="http://schemas.openxmlformats.org/drawingml/2006/main" xmlns:r="http://schemas.openxmlformats.org/officeDocument/2006/relationships" xmlns:p="http://schemas.openxmlformats.org/presentationml/2006/main">
   <p:cSld>
     <p:spTree>
@@ -18495,13 +19317,8 @@
             <a:pPr algn="ctr"/>
             <a:r>
               <a:rPr lang="pt-BR" dirty="0" smtClean="0"/>
-              <a:t>Cenári</a:t>
-            </a:r>
-            <a:r>
-              <a:rPr lang="pt-BR" dirty="0" smtClean="0"/>
-              <a:t>o Outdoor:</a:t>
-            </a:r>
-            <a:endParaRPr lang="pt-BR" dirty="0" smtClean="0"/>
+              <a:t>Cenário Outdoor:</a:t>
+            </a:r>
           </a:p>
         </p:txBody>
       </p:sp>
@@ -18913,13 +19730,8 @@
             <a:pPr algn="ctr"/>
             <a:r>
               <a:rPr lang="pt-BR" dirty="0" smtClean="0"/>
-              <a:t>Cenári</a:t>
-            </a:r>
-            <a:r>
-              <a:rPr lang="pt-BR" dirty="0" smtClean="0"/>
-              <a:t>o Indoor:</a:t>
-            </a:r>
-            <a:endParaRPr lang="pt-BR" dirty="0" smtClean="0"/>
+              <a:t>Cenário Indoor:</a:t>
+            </a:r>
           </a:p>
         </p:txBody>
       </p:sp>
@@ -18946,13 +19758,8 @@
             <a:pPr algn="ctr"/>
             <a:r>
               <a:rPr lang="pt-BR" dirty="0" smtClean="0"/>
-              <a:t>Cenári</a:t>
-            </a:r>
-            <a:r>
-              <a:rPr lang="pt-BR" dirty="0" smtClean="0"/>
-              <a:t>o Indoor-Outdoor:</a:t>
-            </a:r>
-            <a:endParaRPr lang="pt-BR" dirty="0" smtClean="0"/>
+              <a:t>Cenário Indoor-Outdoor:</a:t>
+            </a:r>
           </a:p>
         </p:txBody>
       </p:sp>
@@ -19051,7 +19858,7 @@
 </p:sld>
 </file>
 
-<file path=ppt/slides/slide24.xml><?xml version="1.0" encoding="utf-8"?>
+<file path=ppt/slides/slide25.xml><?xml version="1.0" encoding="utf-8"?>
 <p:sld xmlns:a="http://schemas.openxmlformats.org/drawingml/2006/main" xmlns:r="http://schemas.openxmlformats.org/officeDocument/2006/relationships" xmlns:p="http://schemas.openxmlformats.org/presentationml/2006/main">
   <p:cSld>
     <p:spTree>
@@ -20370,281 +21177,6 @@
 </p:sld>
 </file>
 
-<file path=ppt/slides/slide25.xml><?xml version="1.0" encoding="utf-8"?>
-<p:sld xmlns:a="http://schemas.openxmlformats.org/drawingml/2006/main" xmlns:r="http://schemas.openxmlformats.org/officeDocument/2006/relationships" xmlns:p="http://schemas.openxmlformats.org/presentationml/2006/main">
-  <p:cSld>
-    <p:spTree>
-      <p:nvGrpSpPr>
-        <p:cNvPr id="1" name=""/>
-        <p:cNvGrpSpPr/>
-        <p:nvPr/>
-      </p:nvGrpSpPr>
-      <p:grpSpPr>
-        <a:xfrm>
-          <a:off x="0" y="0"/>
-          <a:ext cx="0" cy="0"/>
-          <a:chOff x="0" y="0"/>
-          <a:chExt cx="0" cy="0"/>
-        </a:xfrm>
-      </p:grpSpPr>
-      <p:pic>
-        <p:nvPicPr>
-          <p:cNvPr id="4" name="Picture 3"/>
-          <p:cNvPicPr>
-            <a:picLocks noChangeAspect="1"/>
-          </p:cNvPicPr>
-          <p:nvPr/>
-        </p:nvPicPr>
-        <p:blipFill>
-          <a:blip r:embed="rId2" cstate="print">
-            <a:extLst>
-              <a:ext uri="{28A0092B-C50C-407E-A947-70E740481C1C}">
-                <a14:useLocalDpi xmlns:a14="http://schemas.microsoft.com/office/drawing/2010/main" val="0"/>
-              </a:ext>
-            </a:extLst>
-          </a:blip>
-          <a:stretch>
-            <a:fillRect/>
-          </a:stretch>
-        </p:blipFill>
-        <p:spPr>
-          <a:xfrm>
-            <a:off x="304800" y="138835"/>
-            <a:ext cx="983528" cy="983528"/>
-          </a:xfrm>
-          <a:prstGeom prst="rect">
-            <a:avLst/>
-          </a:prstGeom>
-        </p:spPr>
-      </p:pic>
-      <p:cxnSp>
-        <p:nvCxnSpPr>
-          <p:cNvPr id="8" name="Straight Connector 7"/>
-          <p:cNvCxnSpPr/>
-          <p:nvPr/>
-        </p:nvCxnSpPr>
-        <p:spPr>
-          <a:xfrm>
-            <a:off x="0" y="6677891"/>
-            <a:ext cx="12192000" cy="0"/>
-          </a:xfrm>
-          <a:prstGeom prst="line">
-            <a:avLst/>
-          </a:prstGeom>
-          <a:ln>
-            <a:solidFill>
-              <a:schemeClr val="tx1"/>
-            </a:solidFill>
-          </a:ln>
-        </p:spPr>
-        <p:style>
-          <a:lnRef idx="1">
-            <a:schemeClr val="accent1"/>
-          </a:lnRef>
-          <a:fillRef idx="0">
-            <a:schemeClr val="accent1"/>
-          </a:fillRef>
-          <a:effectRef idx="0">
-            <a:schemeClr val="accent1"/>
-          </a:effectRef>
-          <a:fontRef idx="minor">
-            <a:schemeClr val="tx1"/>
-          </a:fontRef>
-        </p:style>
-      </p:cxnSp>
-      <p:sp>
-        <p:nvSpPr>
-          <p:cNvPr id="9" name="TextBox 8"/>
-          <p:cNvSpPr txBox="1"/>
-          <p:nvPr/>
-        </p:nvSpPr>
-        <p:spPr>
-          <a:xfrm>
-            <a:off x="10668000" y="6392488"/>
-            <a:ext cx="1234633" cy="369332"/>
-          </a:xfrm>
-          <a:prstGeom prst="rect">
-            <a:avLst/>
-          </a:prstGeom>
-          <a:noFill/>
-        </p:spPr>
-        <p:txBody>
-          <a:bodyPr wrap="none" rtlCol="0">
-            <a:spAutoFit/>
-          </a:bodyPr>
-          <a:lstStyle/>
-          <a:p>
-            <a:r>
-              <a:rPr lang="pt-BR" dirty="0" smtClean="0">
-                <a:solidFill>
-                  <a:schemeClr val="bg1">
-                    <a:lumMod val="50000"/>
-                  </a:schemeClr>
-                </a:solidFill>
-              </a:rPr>
-              <a:t>CIn.ufpe.br</a:t>
-            </a:r>
-            <a:endParaRPr lang="pt-BR" dirty="0">
-              <a:solidFill>
-                <a:schemeClr val="bg1">
-                  <a:lumMod val="50000"/>
-                </a:schemeClr>
-              </a:solidFill>
-            </a:endParaRPr>
-          </a:p>
-        </p:txBody>
-      </p:sp>
-      <p:sp>
-        <p:nvSpPr>
-          <p:cNvPr id="5" name="Title 4"/>
-          <p:cNvSpPr>
-            <a:spLocks noGrp="1"/>
-          </p:cNvSpPr>
-          <p:nvPr>
-            <p:ph type="title"/>
-          </p:nvPr>
-        </p:nvSpPr>
-        <p:spPr/>
-        <p:txBody>
-          <a:bodyPr/>
-          <a:lstStyle/>
-          <a:p>
-            <a:r>
-              <a:rPr lang="pt-BR" b="1" dirty="0" smtClean="0">
-                <a:solidFill>
-                  <a:srgbClr val="FF182C"/>
-                </a:solidFill>
-                <a:latin typeface="Noto Sans" panose="020B0502040504020204" pitchFamily="34"/>
-                <a:ea typeface="Noto Sans" panose="020B0502040504020204" pitchFamily="34"/>
-                <a:cs typeface="Noto Sans" panose="020B0502040504020204" pitchFamily="34"/>
-              </a:rPr>
-              <a:t>Conclusão</a:t>
-            </a:r>
-            <a:endParaRPr lang="pt-BR" b="1" dirty="0">
-              <a:solidFill>
-                <a:srgbClr val="FF182C"/>
-              </a:solidFill>
-              <a:latin typeface="Noto Sans" panose="020B0502040504020204" pitchFamily="34"/>
-              <a:ea typeface="Noto Sans" panose="020B0502040504020204" pitchFamily="34"/>
-              <a:cs typeface="Noto Sans" panose="020B0502040504020204" pitchFamily="34"/>
-            </a:endParaRPr>
-          </a:p>
-        </p:txBody>
-      </p:sp>
-      <p:sp>
-        <p:nvSpPr>
-          <p:cNvPr id="6" name="Text Placeholder 5"/>
-          <p:cNvSpPr>
-            <a:spLocks noGrp="1"/>
-          </p:cNvSpPr>
-          <p:nvPr>
-            <p:ph type="body" idx="1"/>
-          </p:nvPr>
-        </p:nvSpPr>
-        <p:spPr/>
-        <p:txBody>
-          <a:bodyPr/>
-          <a:lstStyle/>
-          <a:p>
-            <a:endParaRPr lang="pt-BR" dirty="0"/>
-          </a:p>
-        </p:txBody>
-      </p:sp>
-      <p:grpSp>
-        <p:nvGrpSpPr>
-          <p:cNvPr id="7" name="Group 6"/>
-          <p:cNvGrpSpPr/>
-          <p:nvPr/>
-        </p:nvGrpSpPr>
-        <p:grpSpPr>
-          <a:xfrm>
-            <a:off x="304800" y="6013799"/>
-            <a:ext cx="2710543" cy="576000"/>
-            <a:chOff x="304800" y="6013799"/>
-            <a:chExt cx="2710543" cy="580164"/>
-          </a:xfrm>
-        </p:grpSpPr>
-        <p:pic>
-          <p:nvPicPr>
-            <p:cNvPr id="10" name="Picture 9"/>
-            <p:cNvPicPr>
-              <a:picLocks noChangeAspect="1"/>
-            </p:cNvPicPr>
-            <p:nvPr/>
-          </p:nvPicPr>
-          <p:blipFill>
-            <a:blip r:embed="rId3">
-              <a:extLst>
-                <a:ext uri="{28A0092B-C50C-407E-A947-70E740481C1C}">
-                  <a14:useLocalDpi xmlns:a14="http://schemas.microsoft.com/office/drawing/2010/main" val="0"/>
-                </a:ext>
-              </a:extLst>
-            </a:blip>
-            <a:stretch>
-              <a:fillRect/>
-            </a:stretch>
-          </p:blipFill>
-          <p:spPr>
-            <a:xfrm>
-              <a:off x="304800" y="6017963"/>
-              <a:ext cx="1396364" cy="576000"/>
-            </a:xfrm>
-            <a:prstGeom prst="rect">
-              <a:avLst/>
-            </a:prstGeom>
-          </p:spPr>
-        </p:pic>
-        <p:pic>
-          <p:nvPicPr>
-            <p:cNvPr id="11" name="Picture 10"/>
-            <p:cNvPicPr>
-              <a:picLocks noChangeAspect="1"/>
-            </p:cNvPicPr>
-            <p:nvPr/>
-          </p:nvPicPr>
-          <p:blipFill>
-            <a:blip r:embed="rId4" cstate="print">
-              <a:extLst>
-                <a:ext uri="{28A0092B-C50C-407E-A947-70E740481C1C}">
-                  <a14:useLocalDpi xmlns:a14="http://schemas.microsoft.com/office/drawing/2010/main" val="0"/>
-                </a:ext>
-              </a:extLst>
-            </a:blip>
-            <a:stretch>
-              <a:fillRect/>
-            </a:stretch>
-          </p:blipFill>
-          <p:spPr>
-            <a:xfrm>
-              <a:off x="1928551" y="6013799"/>
-              <a:ext cx="1086792" cy="576000"/>
-            </a:xfrm>
-            <a:prstGeom prst="rect">
-              <a:avLst/>
-            </a:prstGeom>
-          </p:spPr>
-        </p:pic>
-      </p:grpSp>
-    </p:spTree>
-    <p:extLst>
-      <p:ext uri="{BB962C8B-B14F-4D97-AF65-F5344CB8AC3E}">
-        <p14:creationId xmlns:p14="http://schemas.microsoft.com/office/powerpoint/2010/main" val="3101352397"/>
-      </p:ext>
-    </p:extLst>
-  </p:cSld>
-  <p:clrMapOvr>
-    <a:masterClrMapping/>
-  </p:clrMapOvr>
-  <p:timing>
-    <p:tnLst>
-      <p:par>
-        <p:cTn id="1" dur="indefinite" restart="never" nodeType="tmRoot"/>
-      </p:par>
-    </p:tnLst>
-  </p:timing>
-</p:sld>
-</file>
-
 <file path=ppt/slides/slide26.xml><?xml version="1.0" encoding="utf-8"?>
 <p:sld xmlns:a="http://schemas.openxmlformats.org/drawingml/2006/main" xmlns:r="http://schemas.openxmlformats.org/officeDocument/2006/relationships" xmlns:p="http://schemas.openxmlformats.org/presentationml/2006/main">
   <p:cSld>
@@ -20771,7 +21303,7 @@
       </p:sp>
       <p:sp>
         <p:nvSpPr>
-          <p:cNvPr id="7" name="Title 6"/>
+          <p:cNvPr id="5" name="Title 4"/>
           <p:cNvSpPr>
             <a:spLocks noGrp="1"/>
           </p:cNvSpPr>
@@ -20779,12 +21311,7 @@
             <p:ph type="title"/>
           </p:nvPr>
         </p:nvSpPr>
-        <p:spPr>
-          <a:xfrm>
-            <a:off x="1791854" y="138836"/>
-            <a:ext cx="9561945" cy="983528"/>
-          </a:xfrm>
-        </p:spPr>
+        <p:spPr/>
         <p:txBody>
           <a:bodyPr/>
           <a:lstStyle/>
@@ -20813,153 +21340,26 @@
       </p:sp>
       <p:sp>
         <p:nvSpPr>
-          <p:cNvPr id="2" name="Content Placeholder 1"/>
+          <p:cNvPr id="6" name="Text Placeholder 5"/>
           <p:cNvSpPr>
             <a:spLocks noGrp="1"/>
           </p:cNvSpPr>
           <p:nvPr>
-            <p:ph sz="half" idx="1"/>
+            <p:ph type="body" idx="1"/>
           </p:nvPr>
         </p:nvSpPr>
-        <p:spPr>
-          <a:xfrm>
-            <a:off x="796564" y="1318549"/>
-            <a:ext cx="10824411" cy="4351338"/>
-          </a:xfrm>
-        </p:spPr>
+        <p:spPr/>
         <p:txBody>
-          <a:bodyPr>
-            <a:normAutofit fontScale="92500" lnSpcReduction="10000"/>
-          </a:bodyPr>
+          <a:bodyPr/>
           <a:lstStyle/>
           <a:p>
-            <a:pPr algn="just"/>
-            <a:r>
-              <a:rPr lang="pt-BR" dirty="0" smtClean="0"/>
-              <a:t>Acurácia:</a:t>
-            </a:r>
-          </a:p>
-          <a:p>
-            <a:pPr lvl="1" algn="just">
-              <a:buFont typeface="Wingdings" panose="05000000000000000000" pitchFamily="2" charset="2"/>
-              <a:buChar char="Ø"/>
-            </a:pPr>
-            <a:r>
-              <a:rPr lang="pt-BR" dirty="0"/>
-              <a:t> </a:t>
-            </a:r>
-            <a:r>
-              <a:rPr lang="pt-BR" dirty="0" smtClean="0"/>
-              <a:t>A técnica FP-LightGBM obteve melhor acurácia nos três ambientes analisados em relação a técnica FP-SVR.</a:t>
-            </a:r>
-          </a:p>
-          <a:p>
-            <a:pPr lvl="2" algn="just">
-              <a:buFont typeface="Wingdings" panose="05000000000000000000" pitchFamily="2" charset="2"/>
-              <a:buChar char="Ø"/>
-            </a:pPr>
-            <a:r>
-              <a:rPr lang="pt-BR" dirty="0" smtClean="0"/>
-              <a:t>Ambiente Outdoor: 9,94% de redução no erro médio;</a:t>
-            </a:r>
-          </a:p>
-          <a:p>
-            <a:pPr lvl="2" algn="just">
-              <a:buFont typeface="Wingdings" panose="05000000000000000000" pitchFamily="2" charset="2"/>
-              <a:buChar char="Ø"/>
-            </a:pPr>
-            <a:r>
-              <a:rPr lang="pt-BR" dirty="0" smtClean="0"/>
-              <a:t>Ambiente Indoor: 32,67% </a:t>
-            </a:r>
-            <a:r>
-              <a:rPr lang="pt-BR" dirty="0"/>
-              <a:t>de redução no erro </a:t>
-            </a:r>
-            <a:r>
-              <a:rPr lang="pt-BR" dirty="0" smtClean="0"/>
-              <a:t>médio;</a:t>
-            </a:r>
-          </a:p>
-          <a:p>
-            <a:pPr lvl="2" algn="just">
-              <a:buFont typeface="Wingdings" panose="05000000000000000000" pitchFamily="2" charset="2"/>
-              <a:buChar char="Ø"/>
-            </a:pPr>
-            <a:r>
-              <a:rPr lang="pt-BR" dirty="0" smtClean="0"/>
-              <a:t>Ambiente Indoor-Outdoor: 30,40% de redução no </a:t>
-            </a:r>
-            <a:r>
-              <a:rPr lang="pt-BR" dirty="0"/>
-              <a:t>erro </a:t>
-            </a:r>
-            <a:r>
-              <a:rPr lang="pt-BR" dirty="0" smtClean="0"/>
-              <a:t>médio.</a:t>
-            </a:r>
-          </a:p>
-          <a:p>
-            <a:pPr algn="just"/>
-            <a:r>
-              <a:rPr lang="pt-BR" dirty="0" smtClean="0"/>
-              <a:t>Tempo de Treinamento (Fase off-line):</a:t>
-            </a:r>
-          </a:p>
-          <a:p>
-            <a:pPr lvl="1" algn="just">
-              <a:buFont typeface="Wingdings" panose="05000000000000000000" pitchFamily="2" charset="2"/>
-              <a:buChar char="Ø"/>
-            </a:pPr>
-            <a:r>
-              <a:rPr lang="pt-BR" dirty="0" smtClean="0"/>
-              <a:t>FP-LightGBM obteve uma redução percentual de 44,85% em relação ao FP-SVR.</a:t>
-            </a:r>
-          </a:p>
-          <a:p>
-            <a:pPr algn="just"/>
-            <a:r>
-              <a:rPr lang="pt-BR" dirty="0" smtClean="0"/>
-              <a:t>Tempo de busca (Fase on-line):</a:t>
-            </a:r>
-          </a:p>
-          <a:p>
-            <a:pPr lvl="1" algn="just"/>
-            <a:r>
-              <a:rPr lang="pt-BR" dirty="0" smtClean="0"/>
-              <a:t>Aproximadamente o mesmo tempo de busca</a:t>
-            </a:r>
-          </a:p>
-          <a:p>
-            <a:pPr algn="just"/>
-            <a:r>
-              <a:rPr lang="pt-BR" dirty="0" smtClean="0"/>
-              <a:t>Ápice do consumo de memória:</a:t>
-            </a:r>
-          </a:p>
-          <a:p>
-            <a:pPr lvl="1" algn="just">
-              <a:buFont typeface="Wingdings" panose="05000000000000000000" pitchFamily="2" charset="2"/>
-              <a:buChar char="Ø"/>
-            </a:pPr>
-            <a:r>
-              <a:rPr lang="pt-BR" dirty="0"/>
-              <a:t> FP-LightGBM obteve uma redução </a:t>
-            </a:r>
-            <a:r>
-              <a:rPr lang="pt-BR" dirty="0" smtClean="0"/>
-              <a:t>de 4,83 MiB </a:t>
-            </a:r>
-            <a:r>
-              <a:rPr lang="pt-BR" dirty="0"/>
-              <a:t>em relação ao FP-SVR.</a:t>
-            </a:r>
+            <a:endParaRPr lang="pt-BR" dirty="0"/>
           </a:p>
         </p:txBody>
       </p:sp>
       <p:grpSp>
         <p:nvGrpSpPr>
-          <p:cNvPr id="10" name="Group 9"/>
+          <p:cNvPr id="7" name="Group 6"/>
           <p:cNvGrpSpPr/>
           <p:nvPr/>
         </p:nvGrpSpPr>
@@ -20973,7 +21373,7 @@
         </p:grpSpPr>
         <p:pic>
           <p:nvPicPr>
-            <p:cNvPr id="11" name="Picture 10"/>
+            <p:cNvPr id="10" name="Picture 9"/>
             <p:cNvPicPr>
               <a:picLocks noChangeAspect="1"/>
             </p:cNvPicPr>
@@ -21003,7 +21403,7 @@
         </p:pic>
         <p:pic>
           <p:nvPicPr>
-            <p:cNvPr id="12" name="Picture 11"/>
+            <p:cNvPr id="11" name="Picture 10"/>
             <p:cNvPicPr>
               <a:picLocks noChangeAspect="1"/>
             </p:cNvPicPr>
@@ -21035,7 +21435,7 @@
     </p:spTree>
     <p:extLst>
       <p:ext uri="{BB962C8B-B14F-4D97-AF65-F5344CB8AC3E}">
-        <p14:creationId xmlns:p14="http://schemas.microsoft.com/office/powerpoint/2010/main" val="2935629632"/>
+        <p14:creationId xmlns:p14="http://schemas.microsoft.com/office/powerpoint/2010/main" val="3101352397"/>
       </p:ext>
     </p:extLst>
   </p:cSld>
@@ -21205,6 +21605,413 @@
                 <a:ea typeface="Noto Sans" panose="020B0502040504020204" pitchFamily="34"/>
                 <a:cs typeface="Noto Sans" panose="020B0502040504020204" pitchFamily="34"/>
               </a:rPr>
+              <a:t>Conclusão</a:t>
+            </a:r>
+            <a:endParaRPr lang="pt-BR" b="1" dirty="0">
+              <a:solidFill>
+                <a:srgbClr val="FF182C"/>
+              </a:solidFill>
+              <a:latin typeface="Noto Sans" panose="020B0502040504020204" pitchFamily="34"/>
+              <a:ea typeface="Noto Sans" panose="020B0502040504020204" pitchFamily="34"/>
+              <a:cs typeface="Noto Sans" panose="020B0502040504020204" pitchFamily="34"/>
+            </a:endParaRPr>
+          </a:p>
+        </p:txBody>
+      </p:sp>
+      <p:sp>
+        <p:nvSpPr>
+          <p:cNvPr id="2" name="Content Placeholder 1"/>
+          <p:cNvSpPr>
+            <a:spLocks noGrp="1"/>
+          </p:cNvSpPr>
+          <p:nvPr>
+            <p:ph sz="half" idx="1"/>
+          </p:nvPr>
+        </p:nvSpPr>
+        <p:spPr>
+          <a:xfrm>
+            <a:off x="796564" y="1318549"/>
+            <a:ext cx="10824411" cy="4351338"/>
+          </a:xfrm>
+        </p:spPr>
+        <p:txBody>
+          <a:bodyPr>
+            <a:normAutofit fontScale="92500" lnSpcReduction="10000"/>
+          </a:bodyPr>
+          <a:lstStyle/>
+          <a:p>
+            <a:pPr algn="just"/>
+            <a:r>
+              <a:rPr lang="pt-BR" dirty="0" smtClean="0"/>
+              <a:t>Acurácia:</a:t>
+            </a:r>
+          </a:p>
+          <a:p>
+            <a:pPr lvl="1" algn="just">
+              <a:buFont typeface="Wingdings" panose="05000000000000000000" pitchFamily="2" charset="2"/>
+              <a:buChar char="Ø"/>
+            </a:pPr>
+            <a:r>
+              <a:rPr lang="pt-BR" dirty="0"/>
+              <a:t> </a:t>
+            </a:r>
+            <a:r>
+              <a:rPr lang="pt-BR" dirty="0" smtClean="0"/>
+              <a:t>A técnica FP-LightGBM obteve melhor acurácia nos três ambientes analisados em relação a técnica FP-SVR.</a:t>
+            </a:r>
+          </a:p>
+          <a:p>
+            <a:pPr lvl="2" algn="just">
+              <a:buFont typeface="Wingdings" panose="05000000000000000000" pitchFamily="2" charset="2"/>
+              <a:buChar char="Ø"/>
+            </a:pPr>
+            <a:r>
+              <a:rPr lang="pt-BR" dirty="0" smtClean="0"/>
+              <a:t>Ambiente Outdoor: 9,94% de redução no erro médio;</a:t>
+            </a:r>
+          </a:p>
+          <a:p>
+            <a:pPr lvl="2" algn="just">
+              <a:buFont typeface="Wingdings" panose="05000000000000000000" pitchFamily="2" charset="2"/>
+              <a:buChar char="Ø"/>
+            </a:pPr>
+            <a:r>
+              <a:rPr lang="pt-BR" dirty="0" smtClean="0"/>
+              <a:t>Ambiente Indoor: 32,67% </a:t>
+            </a:r>
+            <a:r>
+              <a:rPr lang="pt-BR" dirty="0"/>
+              <a:t>de redução no erro </a:t>
+            </a:r>
+            <a:r>
+              <a:rPr lang="pt-BR" dirty="0" smtClean="0"/>
+              <a:t>médio;</a:t>
+            </a:r>
+          </a:p>
+          <a:p>
+            <a:pPr lvl="2" algn="just">
+              <a:buFont typeface="Wingdings" panose="05000000000000000000" pitchFamily="2" charset="2"/>
+              <a:buChar char="Ø"/>
+            </a:pPr>
+            <a:r>
+              <a:rPr lang="pt-BR" dirty="0" smtClean="0"/>
+              <a:t>Ambiente Indoor-Outdoor: 30,40% de redução no </a:t>
+            </a:r>
+            <a:r>
+              <a:rPr lang="pt-BR" dirty="0"/>
+              <a:t>erro </a:t>
+            </a:r>
+            <a:r>
+              <a:rPr lang="pt-BR" dirty="0" smtClean="0"/>
+              <a:t>médio.</a:t>
+            </a:r>
+          </a:p>
+          <a:p>
+            <a:pPr algn="just"/>
+            <a:r>
+              <a:rPr lang="pt-BR" dirty="0" smtClean="0"/>
+              <a:t>Tempo de Treinamento (Fase off-line):</a:t>
+            </a:r>
+          </a:p>
+          <a:p>
+            <a:pPr lvl="1" algn="just">
+              <a:buFont typeface="Wingdings" panose="05000000000000000000" pitchFamily="2" charset="2"/>
+              <a:buChar char="Ø"/>
+            </a:pPr>
+            <a:r>
+              <a:rPr lang="pt-BR" dirty="0" smtClean="0"/>
+              <a:t>FP-LightGBM obteve uma redução percentual de 44,85% em relação ao FP-SVR.</a:t>
+            </a:r>
+          </a:p>
+          <a:p>
+            <a:pPr algn="just"/>
+            <a:r>
+              <a:rPr lang="pt-BR" dirty="0" smtClean="0"/>
+              <a:t>Tempo de busca (Fase on-line):</a:t>
+            </a:r>
+          </a:p>
+          <a:p>
+            <a:pPr lvl="1" algn="just"/>
+            <a:r>
+              <a:rPr lang="pt-BR" dirty="0" smtClean="0"/>
+              <a:t>Aproximadamente o mesmo tempo de busca</a:t>
+            </a:r>
+          </a:p>
+          <a:p>
+            <a:pPr algn="just"/>
+            <a:r>
+              <a:rPr lang="pt-BR" dirty="0" smtClean="0"/>
+              <a:t>Ápice do consumo de memória:</a:t>
+            </a:r>
+          </a:p>
+          <a:p>
+            <a:pPr lvl="1" algn="just">
+              <a:buFont typeface="Wingdings" panose="05000000000000000000" pitchFamily="2" charset="2"/>
+              <a:buChar char="Ø"/>
+            </a:pPr>
+            <a:r>
+              <a:rPr lang="pt-BR" dirty="0"/>
+              <a:t> FP-LightGBM obteve uma redução </a:t>
+            </a:r>
+            <a:r>
+              <a:rPr lang="pt-BR" dirty="0" smtClean="0"/>
+              <a:t>de 4,83 MiB </a:t>
+            </a:r>
+            <a:r>
+              <a:rPr lang="pt-BR" dirty="0"/>
+              <a:t>em relação ao FP-SVR.</a:t>
+            </a:r>
+          </a:p>
+        </p:txBody>
+      </p:sp>
+      <p:grpSp>
+        <p:nvGrpSpPr>
+          <p:cNvPr id="10" name="Group 9"/>
+          <p:cNvGrpSpPr/>
+          <p:nvPr/>
+        </p:nvGrpSpPr>
+        <p:grpSpPr>
+          <a:xfrm>
+            <a:off x="304800" y="6013799"/>
+            <a:ext cx="2710543" cy="576000"/>
+            <a:chOff x="304800" y="6013799"/>
+            <a:chExt cx="2710543" cy="580164"/>
+          </a:xfrm>
+        </p:grpSpPr>
+        <p:pic>
+          <p:nvPicPr>
+            <p:cNvPr id="11" name="Picture 10"/>
+            <p:cNvPicPr>
+              <a:picLocks noChangeAspect="1"/>
+            </p:cNvPicPr>
+            <p:nvPr/>
+          </p:nvPicPr>
+          <p:blipFill>
+            <a:blip r:embed="rId3">
+              <a:extLst>
+                <a:ext uri="{28A0092B-C50C-407E-A947-70E740481C1C}">
+                  <a14:useLocalDpi xmlns:a14="http://schemas.microsoft.com/office/drawing/2010/main" val="0"/>
+                </a:ext>
+              </a:extLst>
+            </a:blip>
+            <a:stretch>
+              <a:fillRect/>
+            </a:stretch>
+          </p:blipFill>
+          <p:spPr>
+            <a:xfrm>
+              <a:off x="304800" y="6017963"/>
+              <a:ext cx="1396364" cy="576000"/>
+            </a:xfrm>
+            <a:prstGeom prst="rect">
+              <a:avLst/>
+            </a:prstGeom>
+          </p:spPr>
+        </p:pic>
+        <p:pic>
+          <p:nvPicPr>
+            <p:cNvPr id="12" name="Picture 11"/>
+            <p:cNvPicPr>
+              <a:picLocks noChangeAspect="1"/>
+            </p:cNvPicPr>
+            <p:nvPr/>
+          </p:nvPicPr>
+          <p:blipFill>
+            <a:blip r:embed="rId4" cstate="print">
+              <a:extLst>
+                <a:ext uri="{28A0092B-C50C-407E-A947-70E740481C1C}">
+                  <a14:useLocalDpi xmlns:a14="http://schemas.microsoft.com/office/drawing/2010/main" val="0"/>
+                </a:ext>
+              </a:extLst>
+            </a:blip>
+            <a:stretch>
+              <a:fillRect/>
+            </a:stretch>
+          </p:blipFill>
+          <p:spPr>
+            <a:xfrm>
+              <a:off x="1928551" y="6013799"/>
+              <a:ext cx="1086792" cy="576000"/>
+            </a:xfrm>
+            <a:prstGeom prst="rect">
+              <a:avLst/>
+            </a:prstGeom>
+          </p:spPr>
+        </p:pic>
+      </p:grpSp>
+    </p:spTree>
+    <p:extLst>
+      <p:ext uri="{BB962C8B-B14F-4D97-AF65-F5344CB8AC3E}">
+        <p14:creationId xmlns:p14="http://schemas.microsoft.com/office/powerpoint/2010/main" val="2935629632"/>
+      </p:ext>
+    </p:extLst>
+  </p:cSld>
+  <p:clrMapOvr>
+    <a:masterClrMapping/>
+  </p:clrMapOvr>
+  <p:timing>
+    <p:tnLst>
+      <p:par>
+        <p:cTn id="1" dur="indefinite" restart="never" nodeType="tmRoot"/>
+      </p:par>
+    </p:tnLst>
+  </p:timing>
+</p:sld>
+</file>
+
+<file path=ppt/slides/slide28.xml><?xml version="1.0" encoding="utf-8"?>
+<p:sld xmlns:a="http://schemas.openxmlformats.org/drawingml/2006/main" xmlns:r="http://schemas.openxmlformats.org/officeDocument/2006/relationships" xmlns:p="http://schemas.openxmlformats.org/presentationml/2006/main">
+  <p:cSld>
+    <p:spTree>
+      <p:nvGrpSpPr>
+        <p:cNvPr id="1" name=""/>
+        <p:cNvGrpSpPr/>
+        <p:nvPr/>
+      </p:nvGrpSpPr>
+      <p:grpSpPr>
+        <a:xfrm>
+          <a:off x="0" y="0"/>
+          <a:ext cx="0" cy="0"/>
+          <a:chOff x="0" y="0"/>
+          <a:chExt cx="0" cy="0"/>
+        </a:xfrm>
+      </p:grpSpPr>
+      <p:pic>
+        <p:nvPicPr>
+          <p:cNvPr id="4" name="Picture 3"/>
+          <p:cNvPicPr>
+            <a:picLocks noChangeAspect="1"/>
+          </p:cNvPicPr>
+          <p:nvPr/>
+        </p:nvPicPr>
+        <p:blipFill>
+          <a:blip r:embed="rId2" cstate="print">
+            <a:extLst>
+              <a:ext uri="{28A0092B-C50C-407E-A947-70E740481C1C}">
+                <a14:useLocalDpi xmlns:a14="http://schemas.microsoft.com/office/drawing/2010/main" val="0"/>
+              </a:ext>
+            </a:extLst>
+          </a:blip>
+          <a:stretch>
+            <a:fillRect/>
+          </a:stretch>
+        </p:blipFill>
+        <p:spPr>
+          <a:xfrm>
+            <a:off x="304800" y="138835"/>
+            <a:ext cx="983528" cy="983528"/>
+          </a:xfrm>
+          <a:prstGeom prst="rect">
+            <a:avLst/>
+          </a:prstGeom>
+        </p:spPr>
+      </p:pic>
+      <p:cxnSp>
+        <p:nvCxnSpPr>
+          <p:cNvPr id="8" name="Straight Connector 7"/>
+          <p:cNvCxnSpPr/>
+          <p:nvPr/>
+        </p:nvCxnSpPr>
+        <p:spPr>
+          <a:xfrm>
+            <a:off x="0" y="6677891"/>
+            <a:ext cx="12192000" cy="0"/>
+          </a:xfrm>
+          <a:prstGeom prst="line">
+            <a:avLst/>
+          </a:prstGeom>
+          <a:ln>
+            <a:solidFill>
+              <a:schemeClr val="tx1"/>
+            </a:solidFill>
+          </a:ln>
+        </p:spPr>
+        <p:style>
+          <a:lnRef idx="1">
+            <a:schemeClr val="accent1"/>
+          </a:lnRef>
+          <a:fillRef idx="0">
+            <a:schemeClr val="accent1"/>
+          </a:fillRef>
+          <a:effectRef idx="0">
+            <a:schemeClr val="accent1"/>
+          </a:effectRef>
+          <a:fontRef idx="minor">
+            <a:schemeClr val="tx1"/>
+          </a:fontRef>
+        </p:style>
+      </p:cxnSp>
+      <p:sp>
+        <p:nvSpPr>
+          <p:cNvPr id="9" name="TextBox 8"/>
+          <p:cNvSpPr txBox="1"/>
+          <p:nvPr/>
+        </p:nvSpPr>
+        <p:spPr>
+          <a:xfrm>
+            <a:off x="10668000" y="6392488"/>
+            <a:ext cx="1234633" cy="369332"/>
+          </a:xfrm>
+          <a:prstGeom prst="rect">
+            <a:avLst/>
+          </a:prstGeom>
+          <a:noFill/>
+        </p:spPr>
+        <p:txBody>
+          <a:bodyPr wrap="none" rtlCol="0">
+            <a:spAutoFit/>
+          </a:bodyPr>
+          <a:lstStyle/>
+          <a:p>
+            <a:r>
+              <a:rPr lang="pt-BR" dirty="0" smtClean="0">
+                <a:solidFill>
+                  <a:schemeClr val="bg1">
+                    <a:lumMod val="50000"/>
+                  </a:schemeClr>
+                </a:solidFill>
+              </a:rPr>
+              <a:t>CIn.ufpe.br</a:t>
+            </a:r>
+            <a:endParaRPr lang="pt-BR" dirty="0">
+              <a:solidFill>
+                <a:schemeClr val="bg1">
+                  <a:lumMod val="50000"/>
+                </a:schemeClr>
+              </a:solidFill>
+            </a:endParaRPr>
+          </a:p>
+        </p:txBody>
+      </p:sp>
+      <p:sp>
+        <p:nvSpPr>
+          <p:cNvPr id="7" name="Title 6"/>
+          <p:cNvSpPr>
+            <a:spLocks noGrp="1"/>
+          </p:cNvSpPr>
+          <p:nvPr>
+            <p:ph type="title"/>
+          </p:nvPr>
+        </p:nvSpPr>
+        <p:spPr>
+          <a:xfrm>
+            <a:off x="1791854" y="138836"/>
+            <a:ext cx="9561945" cy="983528"/>
+          </a:xfrm>
+        </p:spPr>
+        <p:txBody>
+          <a:bodyPr/>
+          <a:lstStyle/>
+          <a:p>
+            <a:r>
+              <a:rPr lang="pt-BR" b="1" dirty="0" smtClean="0">
+                <a:solidFill>
+                  <a:srgbClr val="FF182C"/>
+                </a:solidFill>
+                <a:latin typeface="Noto Sans" panose="020B0502040504020204" pitchFamily="34"/>
+                <a:ea typeface="Noto Sans" panose="020B0502040504020204" pitchFamily="34"/>
+                <a:cs typeface="Noto Sans" panose="020B0502040504020204" pitchFamily="34"/>
+              </a:rPr>
               <a:t>Trabalhos Futuros</a:t>
             </a:r>
             <a:endParaRPr lang="pt-BR" b="1" dirty="0">
@@ -21255,7 +22062,6 @@
               <a:rPr lang="pt-BR" dirty="0" smtClean="0"/>
               <a:t>PSO, ACO, ABC, etc.</a:t>
             </a:r>
-            <a:endParaRPr lang="pt-BR" dirty="0" smtClean="0"/>
           </a:p>
           <a:p>
             <a:pPr algn="just"/>
@@ -21395,7 +22201,7 @@
 </p:sld>
 </file>
 
-<file path=ppt/slides/slide28.xml><?xml version="1.0" encoding="utf-8"?>
+<file path=ppt/slides/slide29.xml><?xml version="1.0" encoding="utf-8"?>
 <p:sld xmlns:a="http://schemas.openxmlformats.org/drawingml/2006/main" xmlns:r="http://schemas.openxmlformats.org/officeDocument/2006/relationships" xmlns:p="http://schemas.openxmlformats.org/presentationml/2006/main">
   <p:cSld>
     <p:spTree>
@@ -23137,18 +23943,7 @@
                 <a:ea typeface="Noto Sans" panose="020B0502040504020204" pitchFamily="34"/>
                 <a:cs typeface="Noto Sans" panose="020B0502040504020204" pitchFamily="34"/>
               </a:rPr>
-              <a:t>Construção do </a:t>
-            </a:r>
-            <a:r>
-              <a:rPr lang="pt-BR" b="1" dirty="0" smtClean="0">
-                <a:solidFill>
-                  <a:srgbClr val="FF182C"/>
-                </a:solidFill>
-                <a:latin typeface="Noto Sans" panose="020B0502040504020204" pitchFamily="34"/>
-                <a:ea typeface="Noto Sans" panose="020B0502040504020204" pitchFamily="34"/>
-                <a:cs typeface="Noto Sans" panose="020B0502040504020204" pitchFamily="34"/>
-              </a:rPr>
-              <a:t>Grid de Localização</a:t>
+              <a:t>Construção do Grid de Localização</a:t>
             </a:r>
             <a:endParaRPr lang="pt-BR" b="1" dirty="0">
               <a:solidFill>
@@ -23953,80 +24748,22 @@
           <a:bodyPr/>
           <a:lstStyle/>
           <a:p>
+            <a:pPr marL="0" indent="0">
+              <a:buNone/>
+            </a:pPr>
             <a:r>
               <a:rPr lang="pt-BR" dirty="0" smtClean="0"/>
-              <a:t>Fingerprint de sinal de RF</a:t>
-            </a:r>
-          </a:p>
-          <a:p>
-            <a:pPr lvl="1">
-              <a:buFont typeface="Wingdings" panose="05000000000000000000" pitchFamily="2" charset="2"/>
-              <a:buChar char="Ø"/>
+              <a:t>Encontrar o hiperplano que melhor se ajuste ao conjunto de dados</a:t>
+            </a:r>
+          </a:p>
+          <a:p>
+            <a:pPr marL="0" indent="0">
+              <a:buNone/>
             </a:pPr>
             <a:r>
-              <a:rPr lang="pt-BR" dirty="0"/>
-              <a:t> </a:t>
-            </a:r>
-            <a:r>
-              <a:rPr lang="pt-BR" dirty="0" smtClean="0"/>
-              <a:t>RSSI</a:t>
-            </a:r>
-          </a:p>
-          <a:p>
-            <a:pPr lvl="1">
-              <a:buFont typeface="Wingdings" panose="05000000000000000000" pitchFamily="2" charset="2"/>
-              <a:buChar char="Ø"/>
-            </a:pPr>
-            <a:r>
-              <a:rPr lang="pt-BR" dirty="0" smtClean="0"/>
-              <a:t>PDs</a:t>
-            </a:r>
-          </a:p>
-          <a:p>
-            <a:pPr lvl="1">
-              <a:buFont typeface="Wingdings" panose="05000000000000000000" pitchFamily="2" charset="2"/>
-              <a:buChar char="Ø"/>
-            </a:pPr>
-            <a:r>
-              <a:rPr lang="pt-BR" dirty="0" smtClean="0"/>
-              <a:t>Coordenada Geográfica (Latitude e Longitude)</a:t>
-            </a:r>
-          </a:p>
-          <a:p>
-            <a:pPr>
-              <a:buFont typeface="Wingdings" panose="05000000000000000000" pitchFamily="2" charset="2"/>
-              <a:buChar char="Ø"/>
-            </a:pPr>
-            <a:endParaRPr lang="pt-BR" dirty="0" smtClean="0"/>
-          </a:p>
-          <a:p>
-            <a:r>
-              <a:rPr lang="pt-BR" dirty="0" smtClean="0"/>
-              <a:t>CDB</a:t>
-            </a:r>
-          </a:p>
-          <a:p>
-            <a:pPr lvl="1">
-              <a:buFont typeface="Wingdings" panose="05000000000000000000" pitchFamily="2" charset="2"/>
-              <a:buChar char="Ø"/>
-            </a:pPr>
-            <a:r>
-              <a:rPr lang="pt-BR" dirty="0" smtClean="0"/>
-              <a:t>Mapa de Rádio (grid)</a:t>
-            </a:r>
-          </a:p>
-          <a:p>
-            <a:pPr lvl="1">
-              <a:buFont typeface="Wingdings" panose="05000000000000000000" pitchFamily="2" charset="2"/>
-              <a:buChar char="Ø"/>
-            </a:pPr>
-            <a:r>
-              <a:rPr lang="pt-BR" dirty="0" smtClean="0"/>
-              <a:t>Fingerprints referência</a:t>
-            </a:r>
-            <a:endParaRPr lang="pt-BR" dirty="0"/>
-          </a:p>
-          <a:p>
+              <a:rPr lang="en-US" dirty="0"/>
+              <a:t>The idea of the Support Vector Machine (SVM) is to map the input vectors into a feature space with a higher number of dimensions, and to find an optimal separating hyperplane in the feature space.</a:t>
+            </a:r>
             <a:endParaRPr lang="pt-BR" dirty="0" smtClean="0"/>
           </a:p>
         </p:txBody>
@@ -24385,4 +25122,265 @@
     </a:ext>
   </a:extLst>
 </a:theme>
+</file>
+
+<file path=ppt/theme/theme2.xml><?xml version="1.0" encoding="utf-8"?>
+<a:theme xmlns:a="http://schemas.openxmlformats.org/drawingml/2006/main" name="Office Theme">
+  <a:themeElements>
+    <a:clrScheme name="Office">
+      <a:dk1>
+        <a:sysClr val="windowText" lastClr="000000"/>
+      </a:dk1>
+      <a:lt1>
+        <a:sysClr val="window" lastClr="FFFFFF"/>
+      </a:lt1>
+      <a:dk2>
+        <a:srgbClr val="44546A"/>
+      </a:dk2>
+      <a:lt2>
+        <a:srgbClr val="E7E6E6"/>
+      </a:lt2>
+      <a:accent1>
+        <a:srgbClr val="5B9BD5"/>
+      </a:accent1>
+      <a:accent2>
+        <a:srgbClr val="ED7D31"/>
+      </a:accent2>
+      <a:accent3>
+        <a:srgbClr val="A5A5A5"/>
+      </a:accent3>
+      <a:accent4>
+        <a:srgbClr val="FFC000"/>
+      </a:accent4>
+      <a:accent5>
+        <a:srgbClr val="4472C4"/>
+      </a:accent5>
+      <a:accent6>
+        <a:srgbClr val="70AD47"/>
+      </a:accent6>
+      <a:hlink>
+        <a:srgbClr val="0563C1"/>
+      </a:hlink>
+      <a:folHlink>
+        <a:srgbClr val="954F72"/>
+      </a:folHlink>
+    </a:clrScheme>
+    <a:fontScheme name="Office">
+      <a:majorFont>
+        <a:latin typeface="Calibri Light" panose="020F0302020204030204"/>
+        <a:ea typeface=""/>
+        <a:cs typeface=""/>
+        <a:font script="Jpan" typeface="游ゴシック Light"/>
+        <a:font script="Hang" typeface="맑은 고딕"/>
+        <a:font script="Hans" typeface="等线 Light"/>
+        <a:font script="Hant" typeface="新細明體"/>
+        <a:font script="Arab" typeface="Times New Roman"/>
+        <a:font script="Hebr" typeface="Times New Roman"/>
+        <a:font script="Thai" typeface="Angsana New"/>
+        <a:font script="Ethi" typeface="Nyala"/>
+        <a:font script="Beng" typeface="Vrinda"/>
+        <a:font script="Gujr" typeface="Shruti"/>
+        <a:font script="Khmr" typeface="MoolBoran"/>
+        <a:font script="Knda" typeface="Tunga"/>
+        <a:font script="Guru" typeface="Raavi"/>
+        <a:font script="Cans" typeface="Euphemia"/>
+        <a:font script="Cher" typeface="Plantagenet Cherokee"/>
+        <a:font script="Yiii" typeface="Microsoft Yi Baiti"/>
+        <a:font script="Tibt" typeface="Microsoft Himalaya"/>
+        <a:font script="Thaa" typeface="MV Boli"/>
+        <a:font script="Deva" typeface="Mangal"/>
+        <a:font script="Telu" typeface="Gautami"/>
+        <a:font script="Taml" typeface="Latha"/>
+        <a:font script="Syrc" typeface="Estrangelo Edessa"/>
+        <a:font script="Orya" typeface="Kalinga"/>
+        <a:font script="Mlym" typeface="Kartika"/>
+        <a:font script="Laoo" typeface="DokChampa"/>
+        <a:font script="Sinh" typeface="Iskoola Pota"/>
+        <a:font script="Mong" typeface="Mongolian Baiti"/>
+        <a:font script="Viet" typeface="Times New Roman"/>
+        <a:font script="Uigh" typeface="Microsoft Uighur"/>
+        <a:font script="Geor" typeface="Sylfaen"/>
+      </a:majorFont>
+      <a:minorFont>
+        <a:latin typeface="Calibri" panose="020F0502020204030204"/>
+        <a:ea typeface=""/>
+        <a:cs typeface=""/>
+        <a:font script="Jpan" typeface="游ゴシック"/>
+        <a:font script="Hang" typeface="맑은 고딕"/>
+        <a:font script="Hans" typeface="等线"/>
+        <a:font script="Hant" typeface="新細明體"/>
+        <a:font script="Arab" typeface="Arial"/>
+        <a:font script="Hebr" typeface="Arial"/>
+        <a:font script="Thai" typeface="Cordia New"/>
+        <a:font script="Ethi" typeface="Nyala"/>
+        <a:font script="Beng" typeface="Vrinda"/>
+        <a:font script="Gujr" typeface="Shruti"/>
+        <a:font script="Khmr" typeface="DaunPenh"/>
+        <a:font script="Knda" typeface="Tunga"/>
+        <a:font script="Guru" typeface="Raavi"/>
+        <a:font script="Cans" typeface="Euphemia"/>
+        <a:font script="Cher" typeface="Plantagenet Cherokee"/>
+        <a:font script="Yiii" typeface="Microsoft Yi Baiti"/>
+        <a:font script="Tibt" typeface="Microsoft Himalaya"/>
+        <a:font script="Thaa" typeface="MV Boli"/>
+        <a:font script="Deva" typeface="Mangal"/>
+        <a:font script="Telu" typeface="Gautami"/>
+        <a:font script="Taml" typeface="Latha"/>
+        <a:font script="Syrc" typeface="Estrangelo Edessa"/>
+        <a:font script="Orya" typeface="Kalinga"/>
+        <a:font script="Mlym" typeface="Kartika"/>
+        <a:font script="Laoo" typeface="DokChampa"/>
+        <a:font script="Sinh" typeface="Iskoola Pota"/>
+        <a:font script="Mong" typeface="Mongolian Baiti"/>
+        <a:font script="Viet" typeface="Arial"/>
+        <a:font script="Uigh" typeface="Microsoft Uighur"/>
+        <a:font script="Geor" typeface="Sylfaen"/>
+      </a:minorFont>
+    </a:fontScheme>
+    <a:fmtScheme name="Office">
+      <a:fillStyleLst>
+        <a:solidFill>
+          <a:schemeClr val="phClr"/>
+        </a:solidFill>
+        <a:gradFill rotWithShape="1">
+          <a:gsLst>
+            <a:gs pos="0">
+              <a:schemeClr val="phClr">
+                <a:lumMod val="110000"/>
+                <a:satMod val="105000"/>
+                <a:tint val="67000"/>
+              </a:schemeClr>
+            </a:gs>
+            <a:gs pos="50000">
+              <a:schemeClr val="phClr">
+                <a:lumMod val="105000"/>
+                <a:satMod val="103000"/>
+                <a:tint val="73000"/>
+              </a:schemeClr>
+            </a:gs>
+            <a:gs pos="100000">
+              <a:schemeClr val="phClr">
+                <a:lumMod val="105000"/>
+                <a:satMod val="109000"/>
+                <a:tint val="81000"/>
+              </a:schemeClr>
+            </a:gs>
+          </a:gsLst>
+          <a:lin ang="5400000" scaled="0"/>
+        </a:gradFill>
+        <a:gradFill rotWithShape="1">
+          <a:gsLst>
+            <a:gs pos="0">
+              <a:schemeClr val="phClr">
+                <a:satMod val="103000"/>
+                <a:lumMod val="102000"/>
+                <a:tint val="94000"/>
+              </a:schemeClr>
+            </a:gs>
+            <a:gs pos="50000">
+              <a:schemeClr val="phClr">
+                <a:satMod val="110000"/>
+                <a:lumMod val="100000"/>
+                <a:shade val="100000"/>
+              </a:schemeClr>
+            </a:gs>
+            <a:gs pos="100000">
+              <a:schemeClr val="phClr">
+                <a:lumMod val="99000"/>
+                <a:satMod val="120000"/>
+                <a:shade val="78000"/>
+              </a:schemeClr>
+            </a:gs>
+          </a:gsLst>
+          <a:lin ang="5400000" scaled="0"/>
+        </a:gradFill>
+      </a:fillStyleLst>
+      <a:lnStyleLst>
+        <a:ln w="6350" cap="flat" cmpd="sng" algn="ctr">
+          <a:solidFill>
+            <a:schemeClr val="phClr"/>
+          </a:solidFill>
+          <a:prstDash val="solid"/>
+          <a:miter lim="800000"/>
+        </a:ln>
+        <a:ln w="12700" cap="flat" cmpd="sng" algn="ctr">
+          <a:solidFill>
+            <a:schemeClr val="phClr"/>
+          </a:solidFill>
+          <a:prstDash val="solid"/>
+          <a:miter lim="800000"/>
+        </a:ln>
+        <a:ln w="19050" cap="flat" cmpd="sng" algn="ctr">
+          <a:solidFill>
+            <a:schemeClr val="phClr"/>
+          </a:solidFill>
+          <a:prstDash val="solid"/>
+          <a:miter lim="800000"/>
+        </a:ln>
+      </a:lnStyleLst>
+      <a:effectStyleLst>
+        <a:effectStyle>
+          <a:effectLst/>
+        </a:effectStyle>
+        <a:effectStyle>
+          <a:effectLst/>
+        </a:effectStyle>
+        <a:effectStyle>
+          <a:effectLst>
+            <a:outerShdw blurRad="57150" dist="19050" dir="5400000" algn="ctr" rotWithShape="0">
+              <a:srgbClr val="000000">
+                <a:alpha val="63000"/>
+              </a:srgbClr>
+            </a:outerShdw>
+          </a:effectLst>
+        </a:effectStyle>
+      </a:effectStyleLst>
+      <a:bgFillStyleLst>
+        <a:solidFill>
+          <a:schemeClr val="phClr"/>
+        </a:solidFill>
+        <a:solidFill>
+          <a:schemeClr val="phClr">
+            <a:tint val="95000"/>
+            <a:satMod val="170000"/>
+          </a:schemeClr>
+        </a:solidFill>
+        <a:gradFill rotWithShape="1">
+          <a:gsLst>
+            <a:gs pos="0">
+              <a:schemeClr val="phClr">
+                <a:tint val="93000"/>
+                <a:satMod val="150000"/>
+                <a:shade val="98000"/>
+                <a:lumMod val="102000"/>
+              </a:schemeClr>
+            </a:gs>
+            <a:gs pos="50000">
+              <a:schemeClr val="phClr">
+                <a:tint val="98000"/>
+                <a:satMod val="130000"/>
+                <a:shade val="90000"/>
+                <a:lumMod val="103000"/>
+              </a:schemeClr>
+            </a:gs>
+            <a:gs pos="100000">
+              <a:schemeClr val="phClr">
+                <a:shade val="63000"/>
+                <a:satMod val="120000"/>
+              </a:schemeClr>
+            </a:gs>
+          </a:gsLst>
+          <a:lin ang="5400000" scaled="0"/>
+        </a:gradFill>
+      </a:bgFillStyleLst>
+    </a:fmtScheme>
+  </a:themeElements>
+  <a:objectDefaults/>
+  <a:extraClrSchemeLst/>
+  <a:extLst>
+    <a:ext uri="{05A4C25C-085E-4340-85A3-A5531E510DB2}">
+      <thm15:themeFamily xmlns:thm15="http://schemas.microsoft.com/office/thememl/2012/main" name="Office Theme" id="{62F939B6-93AF-4DB8-9C6B-D6C7DFDC589F}" vid="{4A3C46E8-61CC-4603-A589-7422A47A8E4A}"/>
+    </a:ext>
+  </a:extLst>
+</a:theme>
 </file>